--- a/Presentation.pptx
+++ b/Presentation.pptx
@@ -5,14 +5,20 @@
     <p:sldMasterId id="2147483669" r:id="rId1"/>
   </p:sldMasterIdLst>
   <p:notesMasterIdLst>
-    <p:notesMasterId r:id="rId7"/>
+    <p:notesMasterId r:id="rId13"/>
   </p:notesMasterIdLst>
   <p:sldIdLst>
     <p:sldId id="256" r:id="rId2"/>
     <p:sldId id="257" r:id="rId3"/>
     <p:sldId id="258" r:id="rId4"/>
-    <p:sldId id="260" r:id="rId5"/>
-    <p:sldId id="259" r:id="rId6"/>
+    <p:sldId id="259" r:id="rId5"/>
+    <p:sldId id="260" r:id="rId6"/>
+    <p:sldId id="261" r:id="rId7"/>
+    <p:sldId id="262" r:id="rId8"/>
+    <p:sldId id="263" r:id="rId9"/>
+    <p:sldId id="264" r:id="rId10"/>
+    <p:sldId id="265" r:id="rId11"/>
+    <p:sldId id="266" r:id="rId12"/>
   </p:sldIdLst>
   <p:sldSz cx="12192000" cy="6858000"/>
   <p:notesSz cx="6858000" cy="9144000"/>
@@ -580,7 +586,7 @@
           <a:p>
             <a:fld id="{C5B667A9-4089-4440-B8DD-D0715249887A}" type="slidenum">
               <a:rPr lang="en-US" smtClean="0"/>
-              <a:t>4</a:t>
+              <a:t>5</a:t>
             </a:fld>
             <a:endParaRPr lang="en-US"/>
           </a:p>
@@ -3921,6 +3927,236 @@
 </p:sld>
 </file>
 
+<file path=ppt/slides/slide10.xml><?xml version="1.0" encoding="utf-8"?>
+<p:sld xmlns:a="http://schemas.openxmlformats.org/drawingml/2006/main" xmlns:r="http://schemas.openxmlformats.org/officeDocument/2006/relationships" xmlns:p="http://schemas.openxmlformats.org/presentationml/2006/main">
+  <p:cSld>
+    <p:spTree>
+      <p:nvGrpSpPr>
+        <p:cNvPr id="1" name=""/>
+        <p:cNvGrpSpPr/>
+        <p:nvPr/>
+      </p:nvGrpSpPr>
+      <p:grpSpPr>
+        <a:xfrm>
+          <a:off x="0" y="0"/>
+          <a:ext cx="0" cy="0"/>
+          <a:chOff x="0" y="0"/>
+          <a:chExt cx="0" cy="0"/>
+        </a:xfrm>
+      </p:grpSpPr>
+      <p:sp>
+        <p:nvSpPr>
+          <p:cNvPr id="2" name="Title 1">
+            <a:extLst>
+              <a:ext uri="{FF2B5EF4-FFF2-40B4-BE49-F238E27FC236}">
+                <a16:creationId xmlns:a16="http://schemas.microsoft.com/office/drawing/2014/main" id="{843E09EA-AD43-48AA-9967-341822CF23CE}"/>
+              </a:ext>
+            </a:extLst>
+          </p:cNvPr>
+          <p:cNvSpPr>
+            <a:spLocks noGrp="1"/>
+          </p:cNvSpPr>
+          <p:nvPr>
+            <p:ph type="title"/>
+          </p:nvPr>
+        </p:nvSpPr>
+        <p:spPr/>
+        <p:txBody>
+          <a:bodyPr/>
+          <a:lstStyle/>
+          <a:p>
+            <a:r>
+              <a:rPr lang="en-US" dirty="0"/>
+              <a:t>Complete propagation</a:t>
+            </a:r>
+          </a:p>
+        </p:txBody>
+      </p:sp>
+      <p:sp>
+        <p:nvSpPr>
+          <p:cNvPr id="3" name="Content Placeholder 2">
+            <a:extLst>
+              <a:ext uri="{FF2B5EF4-FFF2-40B4-BE49-F238E27FC236}">
+                <a16:creationId xmlns:a16="http://schemas.microsoft.com/office/drawing/2014/main" id="{9859DD3C-D2F8-48C4-B030-8D51547FDB44}"/>
+              </a:ext>
+            </a:extLst>
+          </p:cNvPr>
+          <p:cNvSpPr>
+            <a:spLocks noGrp="1"/>
+          </p:cNvSpPr>
+          <p:nvPr>
+            <p:ph idx="1"/>
+          </p:nvPr>
+        </p:nvSpPr>
+        <p:spPr/>
+        <p:txBody>
+          <a:bodyPr/>
+          <a:lstStyle/>
+          <a:p>
+            <a:r>
+              <a:rPr lang="en-US" dirty="0"/>
+              <a:t>When we need to wait for the message to get through the pipeline.</a:t>
+            </a:r>
+          </a:p>
+        </p:txBody>
+      </p:sp>
+    </p:spTree>
+    <p:extLst>
+      <p:ext uri="{BB962C8B-B14F-4D97-AF65-F5344CB8AC3E}">
+        <p14:creationId xmlns:p14="http://schemas.microsoft.com/office/powerpoint/2010/main" val="2709947066"/>
+      </p:ext>
+    </p:extLst>
+  </p:cSld>
+  <p:clrMapOvr>
+    <a:masterClrMapping/>
+  </p:clrMapOvr>
+</p:sld>
+</file>
+
+<file path=ppt/slides/slide11.xml><?xml version="1.0" encoding="utf-8"?>
+<p:sld xmlns:a="http://schemas.openxmlformats.org/drawingml/2006/main" xmlns:r="http://schemas.openxmlformats.org/officeDocument/2006/relationships" xmlns:p="http://schemas.openxmlformats.org/presentationml/2006/main">
+  <p:cSld>
+    <p:spTree>
+      <p:nvGrpSpPr>
+        <p:cNvPr id="1" name=""/>
+        <p:cNvGrpSpPr/>
+        <p:nvPr/>
+      </p:nvGrpSpPr>
+      <p:grpSpPr>
+        <a:xfrm>
+          <a:off x="0" y="0"/>
+          <a:ext cx="0" cy="0"/>
+          <a:chOff x="0" y="0"/>
+          <a:chExt cx="0" cy="0"/>
+        </a:xfrm>
+      </p:grpSpPr>
+      <p:sp>
+        <p:nvSpPr>
+          <p:cNvPr id="2" name="Title 1">
+            <a:extLst>
+              <a:ext uri="{FF2B5EF4-FFF2-40B4-BE49-F238E27FC236}">
+                <a16:creationId xmlns:a16="http://schemas.microsoft.com/office/drawing/2014/main" id="{A39D1B0C-1488-40E3-8288-C80B121EA2A6}"/>
+              </a:ext>
+            </a:extLst>
+          </p:cNvPr>
+          <p:cNvSpPr>
+            <a:spLocks noGrp="1"/>
+          </p:cNvSpPr>
+          <p:nvPr>
+            <p:ph type="title"/>
+          </p:nvPr>
+        </p:nvSpPr>
+        <p:spPr/>
+        <p:txBody>
+          <a:bodyPr/>
+          <a:lstStyle/>
+          <a:p>
+            <a:r>
+              <a:rPr lang="en-US" dirty="0"/>
+              <a:t>Resources</a:t>
+            </a:r>
+          </a:p>
+        </p:txBody>
+      </p:sp>
+      <p:sp>
+        <p:nvSpPr>
+          <p:cNvPr id="3" name="Content Placeholder 2">
+            <a:extLst>
+              <a:ext uri="{FF2B5EF4-FFF2-40B4-BE49-F238E27FC236}">
+                <a16:creationId xmlns:a16="http://schemas.microsoft.com/office/drawing/2014/main" id="{E9D001F6-4222-49A4-A5D0-F449DB3D5603}"/>
+              </a:ext>
+            </a:extLst>
+          </p:cNvPr>
+          <p:cNvSpPr>
+            <a:spLocks noGrp="1"/>
+          </p:cNvSpPr>
+          <p:nvPr>
+            <p:ph idx="1"/>
+          </p:nvPr>
+        </p:nvSpPr>
+        <p:spPr/>
+        <p:txBody>
+          <a:bodyPr/>
+          <a:lstStyle/>
+          <a:p>
+            <a:r>
+              <a:rPr lang="en-US" dirty="0"/>
+              <a:t>Samples and this presentation: </a:t>
+            </a:r>
+            <a:br>
+              <a:rPr lang="en-US" dirty="0"/>
+            </a:br>
+            <a:r>
+              <a:rPr lang="en-US" dirty="0">
+                <a:hlinkClick r:id="rId2"/>
+              </a:rPr>
+              <a:t>https://github.com/jandeu/tpl-dataflow-samples</a:t>
+            </a:r>
+            <a:endParaRPr lang="en-US" dirty="0"/>
+          </a:p>
+          <a:p>
+            <a:r>
+              <a:rPr lang="en-US" dirty="0"/>
+              <a:t>Microsoft docs:</a:t>
+            </a:r>
+            <a:br>
+              <a:rPr lang="en-US" dirty="0"/>
+            </a:br>
+            <a:r>
+              <a:rPr lang="en-US" dirty="0">
+                <a:hlinkClick r:id="rId3"/>
+              </a:rPr>
+              <a:t>https://docs.microsoft.com/en-us/dotnet/standard/parallel-programming/dataflow-task-parallel-library</a:t>
+            </a:r>
+            <a:endParaRPr lang="en-US" dirty="0"/>
+          </a:p>
+          <a:p>
+            <a:r>
+              <a:rPr lang="en-US" dirty="0"/>
+              <a:t>Pipeline pattern implementation</a:t>
+            </a:r>
+            <a:br>
+              <a:rPr lang="en-US" dirty="0"/>
+            </a:br>
+            <a:r>
+              <a:rPr lang="en-US" dirty="0">
+                <a:hlinkClick r:id="rId4"/>
+              </a:rPr>
+              <a:t>https://michaelscodingspot.com/pipeline-pattern-implementations-csharp/</a:t>
+            </a:r>
+            <a:endParaRPr lang="en-US" dirty="0"/>
+          </a:p>
+          <a:p>
+            <a:r>
+              <a:rPr lang="en-US" dirty="0" err="1"/>
+              <a:t>DataflowEx</a:t>
+            </a:r>
+            <a:br>
+              <a:rPr lang="en-US" dirty="0"/>
+            </a:br>
+            <a:r>
+              <a:rPr lang="en-US" dirty="0">
+                <a:hlinkClick r:id="rId5"/>
+              </a:rPr>
+              <a:t>https://github.com/gridsum/DataflowEx</a:t>
+            </a:r>
+            <a:endParaRPr lang="en-US" dirty="0"/>
+          </a:p>
+        </p:txBody>
+      </p:sp>
+    </p:spTree>
+    <p:extLst>
+      <p:ext uri="{BB962C8B-B14F-4D97-AF65-F5344CB8AC3E}">
+        <p14:creationId xmlns:p14="http://schemas.microsoft.com/office/powerpoint/2010/main" val="1579873430"/>
+      </p:ext>
+    </p:extLst>
+  </p:cSld>
+  <p:clrMapOvr>
+    <a:masterClrMapping/>
+  </p:clrMapOvr>
+</p:sld>
+</file>
+
 <file path=ppt/slides/slide2.xml><?xml version="1.0" encoding="utf-8"?>
 <p:sld xmlns:a="http://schemas.openxmlformats.org/drawingml/2006/main" xmlns:r="http://schemas.openxmlformats.org/officeDocument/2006/relationships" xmlns:p="http://schemas.openxmlformats.org/presentationml/2006/main">
   <p:cSld>
@@ -3990,6 +4226,12 @@
           <a:p>
             <a:r>
               <a:rPr lang="en-US" dirty="0"/>
+              <a:t>Motivation</a:t>
+            </a:r>
+          </a:p>
+          <a:p>
+            <a:r>
+              <a:rPr lang="en-US" dirty="0"/>
               <a:t>TPL - </a:t>
             </a:r>
             <a:r>
@@ -4005,21 +4247,24 @@
           </a:p>
           <a:p>
             <a:r>
-              <a:rPr lang="cs-CZ" dirty="0"/>
-              <a:t>Bloky</a:t>
-            </a:r>
-          </a:p>
-          <a:p>
-            <a:r>
-              <a:rPr lang="cs-CZ" dirty="0"/>
-              <a:t>Linkování, filtrování a paralelistmus</a:t>
-            </a:r>
-          </a:p>
-          <a:p>
-            <a:r>
-              <a:rPr lang="cs-CZ" dirty="0"/>
-              <a:t>Propagace Complete</a:t>
-            </a:r>
+              <a:rPr lang="en-US" dirty="0"/>
+              <a:t>Building Blocks</a:t>
+            </a:r>
+            <a:endParaRPr lang="cs-CZ" dirty="0"/>
+          </a:p>
+          <a:p>
+            <a:r>
+              <a:rPr lang="en-US" dirty="0"/>
+              <a:t>Linking and filtering</a:t>
+            </a:r>
+            <a:endParaRPr lang="cs-CZ" dirty="0"/>
+          </a:p>
+          <a:p>
+            <a:r>
+              <a:rPr lang="en-US" dirty="0"/>
+              <a:t>Complete propagation</a:t>
+            </a:r>
+            <a:endParaRPr lang="cs-CZ" dirty="0"/>
           </a:p>
           <a:p>
             <a:endParaRPr lang="en-US" dirty="0"/>
@@ -4289,6 +4534,55 @@
                       </p:childTnLst>
                     </p:cTn>
                   </p:par>
+                  <p:par>
+                    <p:cTn id="23" fill="hold">
+                      <p:stCondLst>
+                        <p:cond delay="indefinite"/>
+                      </p:stCondLst>
+                      <p:childTnLst>
+                        <p:par>
+                          <p:cTn id="24" fill="hold">
+                            <p:stCondLst>
+                              <p:cond delay="0"/>
+                            </p:stCondLst>
+                            <p:childTnLst>
+                              <p:par>
+                                <p:cTn id="25" presetID="1" presetClass="entr" presetSubtype="0" fill="hold" grpId="0" nodeType="clickEffect">
+                                  <p:stCondLst>
+                                    <p:cond delay="0"/>
+                                  </p:stCondLst>
+                                  <p:childTnLst>
+                                    <p:set>
+                                      <p:cBhvr>
+                                        <p:cTn id="26" dur="1" fill="hold">
+                                          <p:stCondLst>
+                                            <p:cond delay="0"/>
+                                          </p:stCondLst>
+                                        </p:cTn>
+                                        <p:tgtEl>
+                                          <p:spTgt spid="3">
+                                            <p:txEl>
+                                              <p:pRg st="5" end="5"/>
+                                            </p:txEl>
+                                          </p:spTgt>
+                                        </p:tgtEl>
+                                        <p:attrNameLst>
+                                          <p:attrName>style.visibility</p:attrName>
+                                        </p:attrNameLst>
+                                      </p:cBhvr>
+                                      <p:to>
+                                        <p:strVal val="visible"/>
+                                      </p:to>
+                                    </p:set>
+                                  </p:childTnLst>
+                                </p:cTn>
+                              </p:par>
+                            </p:childTnLst>
+                          </p:cTn>
+                        </p:par>
+                      </p:childTnLst>
+                    </p:cTn>
+                  </p:par>
                 </p:childTnLst>
               </p:cTn>
               <p:prevCondLst>
@@ -4464,7 +4758,7 @@
           <p:cNvPr id="2" name="Title 1">
             <a:extLst>
               <a:ext uri="{FF2B5EF4-FFF2-40B4-BE49-F238E27FC236}">
-                <a16:creationId xmlns:a16="http://schemas.microsoft.com/office/drawing/2014/main" id="{588E0FA1-98E9-4E8F-809D-0B45C423A809}"/>
+                <a16:creationId xmlns:a16="http://schemas.microsoft.com/office/drawing/2014/main" id="{FCCDB499-7D78-4D7D-9326-52EBF4512CA6}"/>
               </a:ext>
             </a:extLst>
           </p:cNvPr>
@@ -4482,17 +4776,515 @@
           <a:p>
             <a:r>
               <a:rPr lang="en-US" dirty="0"/>
-              <a:t>TPL Dataflow</a:t>
-            </a:r>
-          </a:p>
-        </p:txBody>
-      </p:sp>
-      <p:sp>
-        <p:nvSpPr>
-          <p:cNvPr id="3" name="Content Placeholder 2">
-            <a:extLst>
-              <a:ext uri="{FF2B5EF4-FFF2-40B4-BE49-F238E27FC236}">
-                <a16:creationId xmlns:a16="http://schemas.microsoft.com/office/drawing/2014/main" id="{AB480AC2-D12D-4C03-AE0E-AE8C1A86B3CA}"/>
+              <a:t>Multi-Threaded pipeline</a:t>
+            </a:r>
+          </a:p>
+        </p:txBody>
+      </p:sp>
+      <p:sp>
+        <p:nvSpPr>
+          <p:cNvPr id="8" name="Oval 7">
+            <a:extLst>
+              <a:ext uri="{FF2B5EF4-FFF2-40B4-BE49-F238E27FC236}">
+                <a16:creationId xmlns:a16="http://schemas.microsoft.com/office/drawing/2014/main" id="{465CAA04-00BB-495D-84AD-13C16C875936}"/>
+              </a:ext>
+            </a:extLst>
+          </p:cNvPr>
+          <p:cNvSpPr/>
+          <p:nvPr/>
+        </p:nvSpPr>
+        <p:spPr>
+          <a:xfrm>
+            <a:off x="838200" y="2403835"/>
+            <a:ext cx="982679" cy="935713"/>
+          </a:xfrm>
+          <a:prstGeom prst="ellipse">
+            <a:avLst/>
+          </a:prstGeom>
+        </p:spPr>
+        <p:style>
+          <a:lnRef idx="2">
+            <a:schemeClr val="accent1">
+              <a:shade val="50000"/>
+            </a:schemeClr>
+          </a:lnRef>
+          <a:fillRef idx="1">
+            <a:schemeClr val="accent1"/>
+          </a:fillRef>
+          <a:effectRef idx="0">
+            <a:schemeClr val="accent1"/>
+          </a:effectRef>
+          <a:fontRef idx="minor">
+            <a:schemeClr val="lt1"/>
+          </a:fontRef>
+        </p:style>
+        <p:txBody>
+          <a:bodyPr rtlCol="0" anchor="ctr"/>
+          <a:lstStyle/>
+          <a:p>
+            <a:pPr algn="ctr"/>
+            <a:r>
+              <a:rPr lang="en-US" sz="1200" dirty="0"/>
+              <a:t>Input</a:t>
+            </a:r>
+          </a:p>
+        </p:txBody>
+      </p:sp>
+      <p:sp>
+        <p:nvSpPr>
+          <p:cNvPr id="9" name="Oval 8">
+            <a:extLst>
+              <a:ext uri="{FF2B5EF4-FFF2-40B4-BE49-F238E27FC236}">
+                <a16:creationId xmlns:a16="http://schemas.microsoft.com/office/drawing/2014/main" id="{371FE43D-EBA8-4E0E-91D4-44BCAD37D6D3}"/>
+              </a:ext>
+            </a:extLst>
+          </p:cNvPr>
+          <p:cNvSpPr/>
+          <p:nvPr/>
+        </p:nvSpPr>
+        <p:spPr>
+          <a:xfrm>
+            <a:off x="10067450" y="2352345"/>
+            <a:ext cx="982679" cy="935713"/>
+          </a:xfrm>
+          <a:prstGeom prst="ellipse">
+            <a:avLst/>
+          </a:prstGeom>
+        </p:spPr>
+        <p:style>
+          <a:lnRef idx="2">
+            <a:schemeClr val="accent2">
+              <a:shade val="50000"/>
+            </a:schemeClr>
+          </a:lnRef>
+          <a:fillRef idx="1">
+            <a:schemeClr val="accent2"/>
+          </a:fillRef>
+          <a:effectRef idx="0">
+            <a:schemeClr val="accent2"/>
+          </a:effectRef>
+          <a:fontRef idx="minor">
+            <a:schemeClr val="lt1"/>
+          </a:fontRef>
+        </p:style>
+        <p:txBody>
+          <a:bodyPr rtlCol="0" anchor="ctr"/>
+          <a:lstStyle/>
+          <a:p>
+            <a:pPr algn="ctr"/>
+            <a:r>
+              <a:rPr lang="en-US" sz="1200" dirty="0"/>
+              <a:t>Output</a:t>
+            </a:r>
+          </a:p>
+        </p:txBody>
+      </p:sp>
+      <p:sp>
+        <p:nvSpPr>
+          <p:cNvPr id="10" name="Flowchart: Multidocument 9">
+            <a:extLst>
+              <a:ext uri="{FF2B5EF4-FFF2-40B4-BE49-F238E27FC236}">
+                <a16:creationId xmlns:a16="http://schemas.microsoft.com/office/drawing/2014/main" id="{DDF8D776-6C6A-42CD-8EB1-467B5B367EE6}"/>
+              </a:ext>
+            </a:extLst>
+          </p:cNvPr>
+          <p:cNvSpPr/>
+          <p:nvPr/>
+        </p:nvSpPr>
+        <p:spPr>
+          <a:xfrm>
+            <a:off x="2324100" y="2508747"/>
+            <a:ext cx="1112520" cy="725888"/>
+          </a:xfrm>
+          <a:prstGeom prst="flowChartMultidocument">
+            <a:avLst/>
+          </a:prstGeom>
+        </p:spPr>
+        <p:style>
+          <a:lnRef idx="2">
+            <a:schemeClr val="accent1">
+              <a:shade val="50000"/>
+            </a:schemeClr>
+          </a:lnRef>
+          <a:fillRef idx="1">
+            <a:schemeClr val="accent1"/>
+          </a:fillRef>
+          <a:effectRef idx="0">
+            <a:schemeClr val="accent1"/>
+          </a:effectRef>
+          <a:fontRef idx="minor">
+            <a:schemeClr val="lt1"/>
+          </a:fontRef>
+        </p:style>
+        <p:txBody>
+          <a:bodyPr rtlCol="0" anchor="ctr"/>
+          <a:lstStyle/>
+          <a:p>
+            <a:pPr algn="ctr"/>
+            <a:r>
+              <a:rPr lang="en-US" dirty="0"/>
+              <a:t>Queue</a:t>
+            </a:r>
+          </a:p>
+        </p:txBody>
+      </p:sp>
+      <p:sp>
+        <p:nvSpPr>
+          <p:cNvPr id="11" name="Rectangle 10">
+            <a:extLst>
+              <a:ext uri="{FF2B5EF4-FFF2-40B4-BE49-F238E27FC236}">
+                <a16:creationId xmlns:a16="http://schemas.microsoft.com/office/drawing/2014/main" id="{7F352FE6-4837-4110-901A-FE7E51FBC423}"/>
+              </a:ext>
+            </a:extLst>
+          </p:cNvPr>
+          <p:cNvSpPr/>
+          <p:nvPr/>
+        </p:nvSpPr>
+        <p:spPr>
+          <a:xfrm>
+            <a:off x="3939841" y="2544914"/>
+            <a:ext cx="1463040" cy="653553"/>
+          </a:xfrm>
+          <a:prstGeom prst="rect">
+            <a:avLst/>
+          </a:prstGeom>
+        </p:spPr>
+        <p:style>
+          <a:lnRef idx="2">
+            <a:schemeClr val="accent1">
+              <a:shade val="50000"/>
+            </a:schemeClr>
+          </a:lnRef>
+          <a:fillRef idx="1">
+            <a:schemeClr val="accent1"/>
+          </a:fillRef>
+          <a:effectRef idx="0">
+            <a:schemeClr val="accent1"/>
+          </a:effectRef>
+          <a:fontRef idx="minor">
+            <a:schemeClr val="lt1"/>
+          </a:fontRef>
+        </p:style>
+        <p:txBody>
+          <a:bodyPr rtlCol="0" anchor="ctr"/>
+          <a:lstStyle/>
+          <a:p>
+            <a:pPr algn="ctr"/>
+            <a:r>
+              <a:rPr lang="en-US" dirty="0"/>
+              <a:t>Task 1</a:t>
+            </a:r>
+          </a:p>
+        </p:txBody>
+      </p:sp>
+      <p:sp>
+        <p:nvSpPr>
+          <p:cNvPr id="12" name="Flowchart: Multidocument 11">
+            <a:extLst>
+              <a:ext uri="{FF2B5EF4-FFF2-40B4-BE49-F238E27FC236}">
+                <a16:creationId xmlns:a16="http://schemas.microsoft.com/office/drawing/2014/main" id="{8D9BC4C5-7559-4F11-A297-58A6C6F4353C}"/>
+              </a:ext>
+            </a:extLst>
+          </p:cNvPr>
+          <p:cNvSpPr/>
+          <p:nvPr/>
+        </p:nvSpPr>
+        <p:spPr>
+          <a:xfrm>
+            <a:off x="6243596" y="2487740"/>
+            <a:ext cx="1112520" cy="725888"/>
+          </a:xfrm>
+          <a:prstGeom prst="flowChartMultidocument">
+            <a:avLst/>
+          </a:prstGeom>
+        </p:spPr>
+        <p:style>
+          <a:lnRef idx="2">
+            <a:schemeClr val="accent1">
+              <a:shade val="50000"/>
+            </a:schemeClr>
+          </a:lnRef>
+          <a:fillRef idx="1">
+            <a:schemeClr val="accent1"/>
+          </a:fillRef>
+          <a:effectRef idx="0">
+            <a:schemeClr val="accent1"/>
+          </a:effectRef>
+          <a:fontRef idx="minor">
+            <a:schemeClr val="lt1"/>
+          </a:fontRef>
+        </p:style>
+        <p:txBody>
+          <a:bodyPr rtlCol="0" anchor="ctr"/>
+          <a:lstStyle/>
+          <a:p>
+            <a:pPr algn="ctr"/>
+            <a:r>
+              <a:rPr lang="en-US" dirty="0"/>
+              <a:t>Queue</a:t>
+            </a:r>
+          </a:p>
+        </p:txBody>
+      </p:sp>
+      <p:sp>
+        <p:nvSpPr>
+          <p:cNvPr id="13" name="Rectangle 12">
+            <a:extLst>
+              <a:ext uri="{FF2B5EF4-FFF2-40B4-BE49-F238E27FC236}">
+                <a16:creationId xmlns:a16="http://schemas.microsoft.com/office/drawing/2014/main" id="{1BB1D8DF-10E6-4DE5-BE9A-A5EBBA60A422}"/>
+              </a:ext>
+            </a:extLst>
+          </p:cNvPr>
+          <p:cNvSpPr/>
+          <p:nvPr/>
+        </p:nvSpPr>
+        <p:spPr>
+          <a:xfrm>
+            <a:off x="7859337" y="2523907"/>
+            <a:ext cx="1463040" cy="653553"/>
+          </a:xfrm>
+          <a:prstGeom prst="rect">
+            <a:avLst/>
+          </a:prstGeom>
+        </p:spPr>
+        <p:style>
+          <a:lnRef idx="2">
+            <a:schemeClr val="accent1">
+              <a:shade val="50000"/>
+            </a:schemeClr>
+          </a:lnRef>
+          <a:fillRef idx="1">
+            <a:schemeClr val="accent1"/>
+          </a:fillRef>
+          <a:effectRef idx="0">
+            <a:schemeClr val="accent1"/>
+          </a:effectRef>
+          <a:fontRef idx="minor">
+            <a:schemeClr val="lt1"/>
+          </a:fontRef>
+        </p:style>
+        <p:txBody>
+          <a:bodyPr rtlCol="0" anchor="ctr"/>
+          <a:lstStyle/>
+          <a:p>
+            <a:pPr algn="ctr"/>
+            <a:r>
+              <a:rPr lang="en-US" dirty="0"/>
+              <a:t>Task 2</a:t>
+            </a:r>
+          </a:p>
+        </p:txBody>
+      </p:sp>
+      <p:cxnSp>
+        <p:nvCxnSpPr>
+          <p:cNvPr id="15" name="Straight Arrow Connector 14">
+            <a:extLst>
+              <a:ext uri="{FF2B5EF4-FFF2-40B4-BE49-F238E27FC236}">
+                <a16:creationId xmlns:a16="http://schemas.microsoft.com/office/drawing/2014/main" id="{B616CD7E-BE23-4092-ABF9-33AFA29AF448}"/>
+              </a:ext>
+            </a:extLst>
+          </p:cNvPr>
+          <p:cNvCxnSpPr>
+            <a:stCxn id="8" idx="6"/>
+            <a:endCxn id="10" idx="1"/>
+          </p:cNvCxnSpPr>
+          <p:nvPr/>
+        </p:nvCxnSpPr>
+        <p:spPr>
+          <a:xfrm flipV="1">
+            <a:off x="1820879" y="2871691"/>
+            <a:ext cx="503221" cy="1"/>
+          </a:xfrm>
+          <a:prstGeom prst="straightConnector1">
+            <a:avLst/>
+          </a:prstGeom>
+          <a:ln>
+            <a:tailEnd type="triangle"/>
+          </a:ln>
+        </p:spPr>
+        <p:style>
+          <a:lnRef idx="3">
+            <a:schemeClr val="accent2"/>
+          </a:lnRef>
+          <a:fillRef idx="0">
+            <a:schemeClr val="accent2"/>
+          </a:fillRef>
+          <a:effectRef idx="2">
+            <a:schemeClr val="accent2"/>
+          </a:effectRef>
+          <a:fontRef idx="minor">
+            <a:schemeClr val="tx1"/>
+          </a:fontRef>
+        </p:style>
+      </p:cxnSp>
+      <p:cxnSp>
+        <p:nvCxnSpPr>
+          <p:cNvPr id="16" name="Straight Arrow Connector 15">
+            <a:extLst>
+              <a:ext uri="{FF2B5EF4-FFF2-40B4-BE49-F238E27FC236}">
+                <a16:creationId xmlns:a16="http://schemas.microsoft.com/office/drawing/2014/main" id="{169B9E94-17BB-458F-B22B-1D3B896A86C1}"/>
+              </a:ext>
+            </a:extLst>
+          </p:cNvPr>
+          <p:cNvCxnSpPr/>
+          <p:nvPr/>
+        </p:nvCxnSpPr>
+        <p:spPr>
+          <a:xfrm flipV="1">
+            <a:off x="3391856" y="2850682"/>
+            <a:ext cx="503221" cy="1"/>
+          </a:xfrm>
+          <a:prstGeom prst="straightConnector1">
+            <a:avLst/>
+          </a:prstGeom>
+          <a:ln>
+            <a:tailEnd type="triangle"/>
+          </a:ln>
+        </p:spPr>
+        <p:style>
+          <a:lnRef idx="3">
+            <a:schemeClr val="accent2"/>
+          </a:lnRef>
+          <a:fillRef idx="0">
+            <a:schemeClr val="accent2"/>
+          </a:fillRef>
+          <a:effectRef idx="2">
+            <a:schemeClr val="accent2"/>
+          </a:effectRef>
+          <a:fontRef idx="minor">
+            <a:schemeClr val="tx1"/>
+          </a:fontRef>
+        </p:style>
+      </p:cxnSp>
+      <p:cxnSp>
+        <p:nvCxnSpPr>
+          <p:cNvPr id="17" name="Straight Arrow Connector 16">
+            <a:extLst>
+              <a:ext uri="{FF2B5EF4-FFF2-40B4-BE49-F238E27FC236}">
+                <a16:creationId xmlns:a16="http://schemas.microsoft.com/office/drawing/2014/main" id="{D7A5FF28-EEE3-42BA-97DA-A64F600E8976}"/>
+              </a:ext>
+            </a:extLst>
+          </p:cNvPr>
+          <p:cNvCxnSpPr>
+            <a:cxnSpLocks/>
+          </p:cNvCxnSpPr>
+          <p:nvPr/>
+        </p:nvCxnSpPr>
+        <p:spPr>
+          <a:xfrm flipV="1">
+            <a:off x="5445184" y="2850682"/>
+            <a:ext cx="759055" cy="2"/>
+          </a:xfrm>
+          <a:prstGeom prst="straightConnector1">
+            <a:avLst/>
+          </a:prstGeom>
+          <a:ln>
+            <a:tailEnd type="triangle"/>
+          </a:ln>
+        </p:spPr>
+        <p:style>
+          <a:lnRef idx="3">
+            <a:schemeClr val="accent2"/>
+          </a:lnRef>
+          <a:fillRef idx="0">
+            <a:schemeClr val="accent2"/>
+          </a:fillRef>
+          <a:effectRef idx="2">
+            <a:schemeClr val="accent2"/>
+          </a:effectRef>
+          <a:fontRef idx="minor">
+            <a:schemeClr val="tx1"/>
+          </a:fontRef>
+        </p:style>
+      </p:cxnSp>
+      <p:cxnSp>
+        <p:nvCxnSpPr>
+          <p:cNvPr id="19" name="Straight Arrow Connector 18">
+            <a:extLst>
+              <a:ext uri="{FF2B5EF4-FFF2-40B4-BE49-F238E27FC236}">
+                <a16:creationId xmlns:a16="http://schemas.microsoft.com/office/drawing/2014/main" id="{D04452F2-A778-4989-AB65-94B2F1BF7891}"/>
+              </a:ext>
+            </a:extLst>
+          </p:cNvPr>
+          <p:cNvCxnSpPr>
+            <a:cxnSpLocks/>
+          </p:cNvCxnSpPr>
+          <p:nvPr/>
+        </p:nvCxnSpPr>
+        <p:spPr>
+          <a:xfrm flipV="1">
+            <a:off x="7356116" y="2838349"/>
+            <a:ext cx="503221" cy="2"/>
+          </a:xfrm>
+          <a:prstGeom prst="straightConnector1">
+            <a:avLst/>
+          </a:prstGeom>
+          <a:ln>
+            <a:tailEnd type="triangle"/>
+          </a:ln>
+        </p:spPr>
+        <p:style>
+          <a:lnRef idx="3">
+            <a:schemeClr val="accent2"/>
+          </a:lnRef>
+          <a:fillRef idx="0">
+            <a:schemeClr val="accent2"/>
+          </a:fillRef>
+          <a:effectRef idx="2">
+            <a:schemeClr val="accent2"/>
+          </a:effectRef>
+          <a:fontRef idx="minor">
+            <a:schemeClr val="tx1"/>
+          </a:fontRef>
+        </p:style>
+      </p:cxnSp>
+      <p:cxnSp>
+        <p:nvCxnSpPr>
+          <p:cNvPr id="20" name="Straight Arrow Connector 19">
+            <a:extLst>
+              <a:ext uri="{FF2B5EF4-FFF2-40B4-BE49-F238E27FC236}">
+                <a16:creationId xmlns:a16="http://schemas.microsoft.com/office/drawing/2014/main" id="{C4AD28B3-E28D-435A-B566-C4CD37F5734B}"/>
+              </a:ext>
+            </a:extLst>
+          </p:cNvPr>
+          <p:cNvCxnSpPr>
+            <a:cxnSpLocks/>
+          </p:cNvCxnSpPr>
+          <p:nvPr/>
+        </p:nvCxnSpPr>
+        <p:spPr>
+          <a:xfrm>
+            <a:off x="9322377" y="2817340"/>
+            <a:ext cx="720783" cy="0"/>
+          </a:xfrm>
+          <a:prstGeom prst="straightConnector1">
+            <a:avLst/>
+          </a:prstGeom>
+          <a:ln>
+            <a:tailEnd type="triangle"/>
+          </a:ln>
+        </p:spPr>
+        <p:style>
+          <a:lnRef idx="3">
+            <a:schemeClr val="accent2"/>
+          </a:lnRef>
+          <a:fillRef idx="0">
+            <a:schemeClr val="accent2"/>
+          </a:fillRef>
+          <a:effectRef idx="2">
+            <a:schemeClr val="accent2"/>
+          </a:effectRef>
+          <a:fontRef idx="minor">
+            <a:schemeClr val="tx1"/>
+          </a:fontRef>
+        </p:style>
+      </p:cxnSp>
+      <p:sp>
+        <p:nvSpPr>
+          <p:cNvPr id="24" name="Content Placeholder 23">
+            <a:extLst>
+              <a:ext uri="{FF2B5EF4-FFF2-40B4-BE49-F238E27FC236}">
+                <a16:creationId xmlns:a16="http://schemas.microsoft.com/office/drawing/2014/main" id="{05D1030F-4EE4-4869-8022-63531D89BF67}"/>
               </a:ext>
             </a:extLst>
           </p:cNvPr>
@@ -4503,73 +5295,24 @@
             <p:ph idx="1"/>
           </p:nvPr>
         </p:nvSpPr>
-        <p:spPr/>
+        <p:spPr>
+          <a:xfrm>
+            <a:off x="1091219" y="5283252"/>
+            <a:ext cx="10515600" cy="544866"/>
+          </a:xfrm>
+        </p:spPr>
         <p:txBody>
           <a:bodyPr/>
           <a:lstStyle/>
           <a:p>
-            <a:r>
-              <a:rPr lang="en-US" dirty="0" err="1"/>
-              <a:t>System.Threading.Tasks.Dataflow</a:t>
-            </a:r>
-            <a:r>
-              <a:rPr lang="en-US" dirty="0"/>
-              <a:t> namespace</a:t>
-            </a:r>
-          </a:p>
-          <a:p>
-            <a:r>
-              <a:rPr lang="en-US" dirty="0"/>
-              <a:t>Implements pipeline pattern</a:t>
-            </a:r>
-          </a:p>
-          <a:p>
-            <a:r>
-              <a:rPr lang="en-US" dirty="0"/>
-              <a:t>Foundation for message passing and parallelizing CPU-intensive and I/O-intensive applications that have high throughput and low latency. </a:t>
-            </a:r>
-          </a:p>
-          <a:p>
-            <a:r>
-              <a:rPr lang="en-US" dirty="0"/>
-              <a:t>Consist of </a:t>
-            </a:r>
-            <a:r>
-              <a:rPr lang="en-US" dirty="0" err="1"/>
-              <a:t>DataFlow</a:t>
-            </a:r>
-            <a:r>
-              <a:rPr lang="en-US" dirty="0"/>
-              <a:t> blocks:</a:t>
-            </a:r>
-          </a:p>
-          <a:p>
-            <a:pPr lvl="1"/>
-            <a:r>
-              <a:rPr lang="en-US" dirty="0"/>
-              <a:t>Buffering Blocks</a:t>
-            </a:r>
-          </a:p>
-          <a:p>
-            <a:pPr lvl="1"/>
-            <a:r>
-              <a:rPr lang="en-US" dirty="0"/>
-              <a:t>Execution Blocks</a:t>
-            </a:r>
-          </a:p>
-          <a:p>
-            <a:pPr lvl="1"/>
-            <a:r>
-              <a:rPr lang="en-US" dirty="0"/>
-              <a:t>Grouping Blocks</a:t>
-            </a:r>
+            <a:endParaRPr lang="en-US" dirty="0"/>
           </a:p>
         </p:txBody>
       </p:sp>
     </p:spTree>
     <p:extLst>
       <p:ext uri="{BB962C8B-B14F-4D97-AF65-F5344CB8AC3E}">
-        <p14:creationId xmlns:p14="http://schemas.microsoft.com/office/powerpoint/2010/main" val="2020087943"/>
+        <p14:creationId xmlns:p14="http://schemas.microsoft.com/office/powerpoint/2010/main" val="1446957943"/>
       </p:ext>
     </p:extLst>
   </p:cSld>
@@ -4601,7 +5344,7 @@
           <p:cNvPr id="2" name="Title 1">
             <a:extLst>
               <a:ext uri="{FF2B5EF4-FFF2-40B4-BE49-F238E27FC236}">
-                <a16:creationId xmlns:a16="http://schemas.microsoft.com/office/drawing/2014/main" id="{FCCDB499-7D78-4D7D-9326-52EBF4512CA6}"/>
+                <a16:creationId xmlns:a16="http://schemas.microsoft.com/office/drawing/2014/main" id="{588E0FA1-98E9-4E8F-809D-0B45C423A809}"/>
               </a:ext>
             </a:extLst>
           </p:cNvPr>
@@ -4619,17 +5362,218 @@
           <a:p>
             <a:r>
               <a:rPr lang="en-US" dirty="0"/>
-              <a:t>Multi-Threaded pipeline</a:t>
-            </a:r>
-          </a:p>
-        </p:txBody>
-      </p:sp>
-      <p:sp>
-        <p:nvSpPr>
-          <p:cNvPr id="8" name="Oval 7">
-            <a:extLst>
-              <a:ext uri="{FF2B5EF4-FFF2-40B4-BE49-F238E27FC236}">
-                <a16:creationId xmlns:a16="http://schemas.microsoft.com/office/drawing/2014/main" id="{465CAA04-00BB-495D-84AD-13C16C875936}"/>
+              <a:t>TPL Dataflow</a:t>
+            </a:r>
+          </a:p>
+        </p:txBody>
+      </p:sp>
+      <p:sp>
+        <p:nvSpPr>
+          <p:cNvPr id="3" name="Content Placeholder 2">
+            <a:extLst>
+              <a:ext uri="{FF2B5EF4-FFF2-40B4-BE49-F238E27FC236}">
+                <a16:creationId xmlns:a16="http://schemas.microsoft.com/office/drawing/2014/main" id="{AB480AC2-D12D-4C03-AE0E-AE8C1A86B3CA}"/>
+              </a:ext>
+            </a:extLst>
+          </p:cNvPr>
+          <p:cNvSpPr>
+            <a:spLocks noGrp="1"/>
+          </p:cNvSpPr>
+          <p:nvPr>
+            <p:ph idx="1"/>
+          </p:nvPr>
+        </p:nvSpPr>
+        <p:spPr/>
+        <p:txBody>
+          <a:bodyPr/>
+          <a:lstStyle/>
+          <a:p>
+            <a:r>
+              <a:rPr lang="en-US" dirty="0" err="1"/>
+              <a:t>System.Threading.Tasks.Dataflow</a:t>
+            </a:r>
+            <a:r>
+              <a:rPr lang="en-US" dirty="0"/>
+              <a:t> namespace</a:t>
+            </a:r>
+          </a:p>
+          <a:p>
+            <a:r>
+              <a:rPr lang="en-US" dirty="0"/>
+              <a:t>Implements pipeline pattern</a:t>
+            </a:r>
+          </a:p>
+          <a:p>
+            <a:r>
+              <a:rPr lang="en-US" dirty="0"/>
+              <a:t>Foundation for message passing and parallelizing CPU-intensive and I/O-intensive applications that have high throughput and low latency. </a:t>
+            </a:r>
+          </a:p>
+          <a:p>
+            <a:r>
+              <a:rPr lang="en-US" dirty="0"/>
+              <a:t>Consist of </a:t>
+            </a:r>
+            <a:r>
+              <a:rPr lang="en-US" dirty="0" err="1"/>
+              <a:t>DataFlow</a:t>
+            </a:r>
+            <a:r>
+              <a:rPr lang="en-US" dirty="0"/>
+              <a:t> blocks:</a:t>
+            </a:r>
+          </a:p>
+          <a:p>
+            <a:pPr lvl="1"/>
+            <a:r>
+              <a:rPr lang="en-US" dirty="0"/>
+              <a:t>Buffering Blocks</a:t>
+            </a:r>
+          </a:p>
+          <a:p>
+            <a:pPr lvl="1"/>
+            <a:r>
+              <a:rPr lang="en-US" dirty="0"/>
+              <a:t>Execution Blocks</a:t>
+            </a:r>
+          </a:p>
+          <a:p>
+            <a:pPr lvl="1"/>
+            <a:r>
+              <a:rPr lang="en-US" dirty="0"/>
+              <a:t>Grouping Blocks</a:t>
+            </a:r>
+          </a:p>
+        </p:txBody>
+      </p:sp>
+    </p:spTree>
+    <p:extLst>
+      <p:ext uri="{BB962C8B-B14F-4D97-AF65-F5344CB8AC3E}">
+        <p14:creationId xmlns:p14="http://schemas.microsoft.com/office/powerpoint/2010/main" val="2020087943"/>
+      </p:ext>
+    </p:extLst>
+  </p:cSld>
+  <p:clrMapOvr>
+    <a:masterClrMapping/>
+  </p:clrMapOvr>
+</p:sld>
+</file>
+
+<file path=ppt/slides/slide6.xml><?xml version="1.0" encoding="utf-8"?>
+<p:sld xmlns:a="http://schemas.openxmlformats.org/drawingml/2006/main" xmlns:r="http://schemas.openxmlformats.org/officeDocument/2006/relationships" xmlns:p="http://schemas.openxmlformats.org/presentationml/2006/main">
+  <p:cSld>
+    <p:spTree>
+      <p:nvGrpSpPr>
+        <p:cNvPr id="1" name=""/>
+        <p:cNvGrpSpPr/>
+        <p:nvPr/>
+      </p:nvGrpSpPr>
+      <p:grpSpPr>
+        <a:xfrm>
+          <a:off x="0" y="0"/>
+          <a:ext cx="0" cy="0"/>
+          <a:chOff x="0" y="0"/>
+          <a:chExt cx="0" cy="0"/>
+        </a:xfrm>
+      </p:grpSpPr>
+      <p:sp>
+        <p:nvSpPr>
+          <p:cNvPr id="2" name="Title 1">
+            <a:extLst>
+              <a:ext uri="{FF2B5EF4-FFF2-40B4-BE49-F238E27FC236}">
+                <a16:creationId xmlns:a16="http://schemas.microsoft.com/office/drawing/2014/main" id="{7552A66E-BFE4-47CB-9AF7-3A54F044C3A3}"/>
+              </a:ext>
+            </a:extLst>
+          </p:cNvPr>
+          <p:cNvSpPr>
+            <a:spLocks noGrp="1"/>
+          </p:cNvSpPr>
+          <p:nvPr>
+            <p:ph type="title"/>
+          </p:nvPr>
+        </p:nvSpPr>
+        <p:spPr/>
+        <p:txBody>
+          <a:bodyPr/>
+          <a:lstStyle/>
+          <a:p>
+            <a:r>
+              <a:rPr lang="en-US" dirty="0"/>
+              <a:t>Buffering Blocks</a:t>
+            </a:r>
+          </a:p>
+        </p:txBody>
+      </p:sp>
+      <p:sp>
+        <p:nvSpPr>
+          <p:cNvPr id="3" name="Content Placeholder 2">
+            <a:extLst>
+              <a:ext uri="{FF2B5EF4-FFF2-40B4-BE49-F238E27FC236}">
+                <a16:creationId xmlns:a16="http://schemas.microsoft.com/office/drawing/2014/main" id="{49CCC532-29EC-4CC5-A6F6-A409E41C49E3}"/>
+              </a:ext>
+            </a:extLst>
+          </p:cNvPr>
+          <p:cNvSpPr>
+            <a:spLocks noGrp="1"/>
+          </p:cNvSpPr>
+          <p:nvPr>
+            <p:ph idx="1"/>
+          </p:nvPr>
+        </p:nvSpPr>
+        <p:spPr/>
+        <p:txBody>
+          <a:bodyPr/>
+          <a:lstStyle/>
+          <a:p>
+            <a:r>
+              <a:rPr lang="en-US" dirty="0"/>
+              <a:t> </a:t>
+            </a:r>
+            <a:r>
+              <a:rPr lang="en-US" dirty="0" err="1"/>
+              <a:t>BufferBlock</a:t>
+            </a:r>
+            <a:r>
+              <a:rPr lang="en-US" dirty="0"/>
+              <a:t>&lt;T&gt;</a:t>
+            </a:r>
+          </a:p>
+          <a:p>
+            <a:r>
+              <a:rPr lang="en-US" dirty="0"/>
+              <a:t> </a:t>
+            </a:r>
+            <a:r>
+              <a:rPr lang="en-US" dirty="0" err="1"/>
+              <a:t>BroadcastBlock</a:t>
+            </a:r>
+            <a:r>
+              <a:rPr lang="en-US" dirty="0"/>
+              <a:t>&lt;T&gt;</a:t>
+            </a:r>
+          </a:p>
+          <a:p>
+            <a:r>
+              <a:rPr lang="en-US" dirty="0"/>
+              <a:t> </a:t>
+            </a:r>
+            <a:r>
+              <a:rPr lang="en-US" dirty="0" err="1"/>
+              <a:t>WriteOnceBlock</a:t>
+            </a:r>
+            <a:r>
+              <a:rPr lang="en-US" dirty="0"/>
+              <a:t>&lt;T&gt;</a:t>
+            </a:r>
+          </a:p>
+        </p:txBody>
+      </p:sp>
+      <p:sp>
+        <p:nvSpPr>
+          <p:cNvPr id="4" name="Rectangle 3">
+            <a:extLst>
+              <a:ext uri="{FF2B5EF4-FFF2-40B4-BE49-F238E27FC236}">
+                <a16:creationId xmlns:a16="http://schemas.microsoft.com/office/drawing/2014/main" id="{8CE40C34-6695-490E-A716-443C28EBCBE9}"/>
               </a:ext>
             </a:extLst>
           </p:cNvPr>
@@ -4638,10 +5582,10 @@
         </p:nvSpPr>
         <p:spPr>
           <a:xfrm>
-            <a:off x="838200" y="2403835"/>
-            <a:ext cx="982679" cy="935713"/>
-          </a:xfrm>
-          <a:prstGeom prst="ellipse">
+            <a:off x="1592580" y="4533900"/>
+            <a:ext cx="1851660" cy="899160"/>
+          </a:xfrm>
+          <a:prstGeom prst="rect">
             <a:avLst/>
           </a:prstGeom>
         </p:spPr>
@@ -4667,18 +5611,216 @@
           <a:p>
             <a:pPr algn="ctr"/>
             <a:r>
-              <a:rPr lang="en-US" sz="1200" dirty="0"/>
-              <a:t>Input</a:t>
-            </a:r>
-          </a:p>
-        </p:txBody>
-      </p:sp>
-      <p:sp>
-        <p:nvSpPr>
-          <p:cNvPr id="9" name="Oval 8">
-            <a:extLst>
-              <a:ext uri="{FF2B5EF4-FFF2-40B4-BE49-F238E27FC236}">
-                <a16:creationId xmlns:a16="http://schemas.microsoft.com/office/drawing/2014/main" id="{371FE43D-EBA8-4E0E-91D4-44BCAD37D6D3}"/>
+              <a:rPr lang="en-US" dirty="0"/>
+              <a:t>Buffer</a:t>
+            </a:r>
+          </a:p>
+        </p:txBody>
+      </p:sp>
+      <p:cxnSp>
+        <p:nvCxnSpPr>
+          <p:cNvPr id="6" name="Straight Arrow Connector 5">
+            <a:extLst>
+              <a:ext uri="{FF2B5EF4-FFF2-40B4-BE49-F238E27FC236}">
+                <a16:creationId xmlns:a16="http://schemas.microsoft.com/office/drawing/2014/main" id="{7B6046AC-6AF1-4514-9715-FA3F813914BD}"/>
+              </a:ext>
+            </a:extLst>
+          </p:cNvPr>
+          <p:cNvCxnSpPr/>
+          <p:nvPr/>
+        </p:nvCxnSpPr>
+        <p:spPr>
+          <a:xfrm>
+            <a:off x="1592580" y="3726180"/>
+            <a:ext cx="381000" cy="807720"/>
+          </a:xfrm>
+          <a:prstGeom prst="straightConnector1">
+            <a:avLst/>
+          </a:prstGeom>
+          <a:ln>
+            <a:tailEnd type="triangle"/>
+          </a:ln>
+        </p:spPr>
+        <p:style>
+          <a:lnRef idx="1">
+            <a:schemeClr val="accent1"/>
+          </a:lnRef>
+          <a:fillRef idx="0">
+            <a:schemeClr val="accent1"/>
+          </a:fillRef>
+          <a:effectRef idx="0">
+            <a:schemeClr val="accent1"/>
+          </a:effectRef>
+          <a:fontRef idx="minor">
+            <a:schemeClr val="tx1"/>
+          </a:fontRef>
+        </p:style>
+      </p:cxnSp>
+      <p:cxnSp>
+        <p:nvCxnSpPr>
+          <p:cNvPr id="8" name="Straight Arrow Connector 7">
+            <a:extLst>
+              <a:ext uri="{FF2B5EF4-FFF2-40B4-BE49-F238E27FC236}">
+                <a16:creationId xmlns:a16="http://schemas.microsoft.com/office/drawing/2014/main" id="{62DC27B0-459D-4B21-9C0C-448326A42732}"/>
+              </a:ext>
+            </a:extLst>
+          </p:cNvPr>
+          <p:cNvCxnSpPr/>
+          <p:nvPr/>
+        </p:nvCxnSpPr>
+        <p:spPr>
+          <a:xfrm>
+            <a:off x="2331720" y="3726180"/>
+            <a:ext cx="0" cy="807720"/>
+          </a:xfrm>
+          <a:prstGeom prst="straightConnector1">
+            <a:avLst/>
+          </a:prstGeom>
+          <a:ln>
+            <a:tailEnd type="triangle"/>
+          </a:ln>
+        </p:spPr>
+        <p:style>
+          <a:lnRef idx="1">
+            <a:schemeClr val="accent1"/>
+          </a:lnRef>
+          <a:fillRef idx="0">
+            <a:schemeClr val="accent1"/>
+          </a:fillRef>
+          <a:effectRef idx="0">
+            <a:schemeClr val="accent1"/>
+          </a:effectRef>
+          <a:fontRef idx="minor">
+            <a:schemeClr val="tx1"/>
+          </a:fontRef>
+        </p:style>
+      </p:cxnSp>
+      <p:cxnSp>
+        <p:nvCxnSpPr>
+          <p:cNvPr id="10" name="Straight Arrow Connector 9">
+            <a:extLst>
+              <a:ext uri="{FF2B5EF4-FFF2-40B4-BE49-F238E27FC236}">
+                <a16:creationId xmlns:a16="http://schemas.microsoft.com/office/drawing/2014/main" id="{17F2376F-280B-4CEF-9258-2908DF88ED41}"/>
+              </a:ext>
+            </a:extLst>
+          </p:cNvPr>
+          <p:cNvCxnSpPr/>
+          <p:nvPr/>
+        </p:nvCxnSpPr>
+        <p:spPr>
+          <a:xfrm>
+            <a:off x="2720340" y="3726180"/>
+            <a:ext cx="0" cy="807720"/>
+          </a:xfrm>
+          <a:prstGeom prst="straightConnector1">
+            <a:avLst/>
+          </a:prstGeom>
+          <a:ln>
+            <a:tailEnd type="triangle"/>
+          </a:ln>
+        </p:spPr>
+        <p:style>
+          <a:lnRef idx="1">
+            <a:schemeClr val="accent1"/>
+          </a:lnRef>
+          <a:fillRef idx="0">
+            <a:schemeClr val="accent1"/>
+          </a:fillRef>
+          <a:effectRef idx="0">
+            <a:schemeClr val="accent1"/>
+          </a:effectRef>
+          <a:fontRef idx="minor">
+            <a:schemeClr val="tx1"/>
+          </a:fontRef>
+        </p:style>
+      </p:cxnSp>
+      <p:cxnSp>
+        <p:nvCxnSpPr>
+          <p:cNvPr id="12" name="Straight Arrow Connector 11">
+            <a:extLst>
+              <a:ext uri="{FF2B5EF4-FFF2-40B4-BE49-F238E27FC236}">
+                <a16:creationId xmlns:a16="http://schemas.microsoft.com/office/drawing/2014/main" id="{06A0288D-41A5-4763-8DD2-034145690254}"/>
+              </a:ext>
+            </a:extLst>
+          </p:cNvPr>
+          <p:cNvCxnSpPr/>
+          <p:nvPr/>
+        </p:nvCxnSpPr>
+        <p:spPr>
+          <a:xfrm flipH="1">
+            <a:off x="3032760" y="3810000"/>
+            <a:ext cx="411480" cy="723900"/>
+          </a:xfrm>
+          <a:prstGeom prst="straightConnector1">
+            <a:avLst/>
+          </a:prstGeom>
+          <a:ln>
+            <a:tailEnd type="triangle"/>
+          </a:ln>
+        </p:spPr>
+        <p:style>
+          <a:lnRef idx="1">
+            <a:schemeClr val="accent1"/>
+          </a:lnRef>
+          <a:fillRef idx="0">
+            <a:schemeClr val="accent1"/>
+          </a:fillRef>
+          <a:effectRef idx="0">
+            <a:schemeClr val="accent1"/>
+          </a:effectRef>
+          <a:fontRef idx="minor">
+            <a:schemeClr val="tx1"/>
+          </a:fontRef>
+        </p:style>
+      </p:cxnSp>
+      <p:cxnSp>
+        <p:nvCxnSpPr>
+          <p:cNvPr id="14" name="Straight Arrow Connector 13">
+            <a:extLst>
+              <a:ext uri="{FF2B5EF4-FFF2-40B4-BE49-F238E27FC236}">
+                <a16:creationId xmlns:a16="http://schemas.microsoft.com/office/drawing/2014/main" id="{45FB234A-D239-441D-9D0C-2B80C266C0F8}"/>
+              </a:ext>
+            </a:extLst>
+          </p:cNvPr>
+          <p:cNvCxnSpPr>
+            <a:cxnSpLocks/>
+            <a:stCxn id="4" idx="2"/>
+          </p:cNvCxnSpPr>
+          <p:nvPr/>
+        </p:nvCxnSpPr>
+        <p:spPr>
+          <a:xfrm>
+            <a:off x="2518410" y="5433060"/>
+            <a:ext cx="0" cy="457200"/>
+          </a:xfrm>
+          <a:prstGeom prst="straightConnector1">
+            <a:avLst/>
+          </a:prstGeom>
+          <a:ln>
+            <a:tailEnd type="triangle"/>
+          </a:ln>
+        </p:spPr>
+        <p:style>
+          <a:lnRef idx="1">
+            <a:schemeClr val="accent1"/>
+          </a:lnRef>
+          <a:fillRef idx="0">
+            <a:schemeClr val="accent1"/>
+          </a:fillRef>
+          <a:effectRef idx="0">
+            <a:schemeClr val="accent1"/>
+          </a:effectRef>
+          <a:fontRef idx="minor">
+            <a:schemeClr val="tx1"/>
+          </a:fontRef>
+        </p:style>
+      </p:cxnSp>
+      <p:sp>
+        <p:nvSpPr>
+          <p:cNvPr id="15" name="Rectangle 14">
+            <a:extLst>
+              <a:ext uri="{FF2B5EF4-FFF2-40B4-BE49-F238E27FC236}">
+                <a16:creationId xmlns:a16="http://schemas.microsoft.com/office/drawing/2014/main" id="{8F46A646-7A30-487C-8985-ED12D5AEF6D9}"/>
               </a:ext>
             </a:extLst>
           </p:cNvPr>
@@ -4687,59 +5829,10 @@
         </p:nvSpPr>
         <p:spPr>
           <a:xfrm>
-            <a:off x="10067450" y="2352345"/>
-            <a:ext cx="982679" cy="935713"/>
-          </a:xfrm>
-          <a:prstGeom prst="ellipse">
-            <a:avLst/>
-          </a:prstGeom>
-        </p:spPr>
-        <p:style>
-          <a:lnRef idx="2">
-            <a:schemeClr val="accent2">
-              <a:shade val="50000"/>
-            </a:schemeClr>
-          </a:lnRef>
-          <a:fillRef idx="1">
-            <a:schemeClr val="accent2"/>
-          </a:fillRef>
-          <a:effectRef idx="0">
-            <a:schemeClr val="accent2"/>
-          </a:effectRef>
-          <a:fontRef idx="minor">
-            <a:schemeClr val="lt1"/>
-          </a:fontRef>
-        </p:style>
-        <p:txBody>
-          <a:bodyPr rtlCol="0" anchor="ctr"/>
-          <a:lstStyle/>
-          <a:p>
-            <a:pPr algn="ctr"/>
-            <a:r>
-              <a:rPr lang="en-US" sz="1200" dirty="0"/>
-              <a:t>Output</a:t>
-            </a:r>
-          </a:p>
-        </p:txBody>
-      </p:sp>
-      <p:sp>
-        <p:nvSpPr>
-          <p:cNvPr id="10" name="Flowchart: Multidocument 9">
-            <a:extLst>
-              <a:ext uri="{FF2B5EF4-FFF2-40B4-BE49-F238E27FC236}">
-                <a16:creationId xmlns:a16="http://schemas.microsoft.com/office/drawing/2014/main" id="{DDF8D776-6C6A-42CD-8EB1-467B5B367EE6}"/>
-              </a:ext>
-            </a:extLst>
-          </p:cNvPr>
-          <p:cNvSpPr/>
-          <p:nvPr/>
-        </p:nvSpPr>
-        <p:spPr>
-          <a:xfrm>
-            <a:off x="2324100" y="2508747"/>
-            <a:ext cx="1112520" cy="725888"/>
-          </a:xfrm>
-          <a:prstGeom prst="flowChartMultidocument">
+            <a:off x="5265420" y="4533900"/>
+            <a:ext cx="1851660" cy="899160"/>
+          </a:xfrm>
+          <a:prstGeom prst="rect">
             <a:avLst/>
           </a:prstGeom>
         </p:spPr>
@@ -4766,17 +5859,58 @@
             <a:pPr algn="ctr"/>
             <a:r>
               <a:rPr lang="en-US" dirty="0"/>
-              <a:t>Queue</a:t>
-            </a:r>
-          </a:p>
-        </p:txBody>
-      </p:sp>
-      <p:sp>
-        <p:nvSpPr>
-          <p:cNvPr id="11" name="Rectangle 10">
-            <a:extLst>
-              <a:ext uri="{FF2B5EF4-FFF2-40B4-BE49-F238E27FC236}">
-                <a16:creationId xmlns:a16="http://schemas.microsoft.com/office/drawing/2014/main" id="{7F352FE6-4837-4110-901A-FE7E51FBC423}"/>
+              <a:t>Broadcast</a:t>
+            </a:r>
+          </a:p>
+        </p:txBody>
+      </p:sp>
+      <p:cxnSp>
+        <p:nvCxnSpPr>
+          <p:cNvPr id="17" name="Straight Arrow Connector 16">
+            <a:extLst>
+              <a:ext uri="{FF2B5EF4-FFF2-40B4-BE49-F238E27FC236}">
+                <a16:creationId xmlns:a16="http://schemas.microsoft.com/office/drawing/2014/main" id="{9787A6E3-7B0A-4972-9929-E77AAEF7C3CA}"/>
+              </a:ext>
+            </a:extLst>
+          </p:cNvPr>
+          <p:cNvCxnSpPr>
+            <a:endCxn id="15" idx="0"/>
+          </p:cNvCxnSpPr>
+          <p:nvPr/>
+        </p:nvCxnSpPr>
+        <p:spPr>
+          <a:xfrm>
+            <a:off x="6179820" y="3789997"/>
+            <a:ext cx="11430" cy="743903"/>
+          </a:xfrm>
+          <a:prstGeom prst="straightConnector1">
+            <a:avLst/>
+          </a:prstGeom>
+          <a:ln>
+            <a:tailEnd type="triangle"/>
+          </a:ln>
+        </p:spPr>
+        <p:style>
+          <a:lnRef idx="1">
+            <a:schemeClr val="accent1"/>
+          </a:lnRef>
+          <a:fillRef idx="0">
+            <a:schemeClr val="accent1"/>
+          </a:fillRef>
+          <a:effectRef idx="0">
+            <a:schemeClr val="accent1"/>
+          </a:effectRef>
+          <a:fontRef idx="minor">
+            <a:schemeClr val="tx1"/>
+          </a:fontRef>
+        </p:style>
+      </p:cxnSp>
+      <p:sp>
+        <p:nvSpPr>
+          <p:cNvPr id="19" name="Rectangle 18">
+            <a:extLst>
+              <a:ext uri="{FF2B5EF4-FFF2-40B4-BE49-F238E27FC236}">
+                <a16:creationId xmlns:a16="http://schemas.microsoft.com/office/drawing/2014/main" id="{6B7489D7-0DA3-41C2-B41E-D5E274EA515A}"/>
               </a:ext>
             </a:extLst>
           </p:cNvPr>
@@ -4785,8 +5919,8 @@
         </p:nvSpPr>
         <p:spPr>
           <a:xfrm>
-            <a:off x="3939841" y="2544914"/>
-            <a:ext cx="1463040" cy="653553"/>
+            <a:off x="1592580" y="5878830"/>
+            <a:ext cx="1851657" cy="723900"/>
           </a:xfrm>
           <a:prstGeom prst="rect">
             <a:avLst/>
@@ -4813,19 +5947,16 @@
           <a:lstStyle/>
           <a:p>
             <a:pPr algn="ctr"/>
-            <a:r>
-              <a:rPr lang="en-US" dirty="0"/>
-              <a:t>Task 1</a:t>
-            </a:r>
-          </a:p>
-        </p:txBody>
-      </p:sp>
-      <p:sp>
-        <p:nvSpPr>
-          <p:cNvPr id="12" name="Flowchart: Multidocument 11">
-            <a:extLst>
-              <a:ext uri="{FF2B5EF4-FFF2-40B4-BE49-F238E27FC236}">
-                <a16:creationId xmlns:a16="http://schemas.microsoft.com/office/drawing/2014/main" id="{8D9BC4C5-7559-4F11-A297-58A6C6F4353C}"/>
+            <a:endParaRPr lang="en-US"/>
+          </a:p>
+        </p:txBody>
+      </p:sp>
+      <p:sp>
+        <p:nvSpPr>
+          <p:cNvPr id="20" name="Rectangle 19">
+            <a:extLst>
+              <a:ext uri="{FF2B5EF4-FFF2-40B4-BE49-F238E27FC236}">
+                <a16:creationId xmlns:a16="http://schemas.microsoft.com/office/drawing/2014/main" id="{BFE3C4EF-60A8-43A6-9DD1-EAE11F670B65}"/>
               </a:ext>
             </a:extLst>
           </p:cNvPr>
@@ -4834,10 +5965,10 @@
         </p:nvSpPr>
         <p:spPr>
           <a:xfrm>
-            <a:off x="6243596" y="2487740"/>
-            <a:ext cx="1112520" cy="725888"/>
-          </a:xfrm>
-          <a:prstGeom prst="flowChartMultidocument">
+            <a:off x="5052060" y="5878830"/>
+            <a:ext cx="1043940" cy="614045"/>
+          </a:xfrm>
+          <a:prstGeom prst="rect">
             <a:avLst/>
           </a:prstGeom>
         </p:spPr>
@@ -4862,19 +5993,16 @@
           <a:lstStyle/>
           <a:p>
             <a:pPr algn="ctr"/>
-            <a:r>
-              <a:rPr lang="en-US" dirty="0"/>
-              <a:t>Queue</a:t>
-            </a:r>
-          </a:p>
-        </p:txBody>
-      </p:sp>
-      <p:sp>
-        <p:nvSpPr>
-          <p:cNvPr id="13" name="Rectangle 12">
-            <a:extLst>
-              <a:ext uri="{FF2B5EF4-FFF2-40B4-BE49-F238E27FC236}">
-                <a16:creationId xmlns:a16="http://schemas.microsoft.com/office/drawing/2014/main" id="{1BB1D8DF-10E6-4DE5-BE9A-A5EBBA60A422}"/>
+            <a:endParaRPr lang="en-US"/>
+          </a:p>
+        </p:txBody>
+      </p:sp>
+      <p:sp>
+        <p:nvSpPr>
+          <p:cNvPr id="21" name="Rectangle 20">
+            <a:extLst>
+              <a:ext uri="{FF2B5EF4-FFF2-40B4-BE49-F238E27FC236}">
+                <a16:creationId xmlns:a16="http://schemas.microsoft.com/office/drawing/2014/main" id="{0E1E1B44-133B-43C8-A36B-3FE32382620E}"/>
               </a:ext>
             </a:extLst>
           </p:cNvPr>
@@ -4883,8 +6011,8 @@
         </p:nvSpPr>
         <p:spPr>
           <a:xfrm>
-            <a:off x="7859337" y="2523907"/>
-            <a:ext cx="1463040" cy="653553"/>
+            <a:off x="6576060" y="5878830"/>
+            <a:ext cx="1043940" cy="614045"/>
           </a:xfrm>
           <a:prstGeom prst="rect">
             <a:avLst/>
@@ -4911,32 +6039,28 @@
           <a:lstStyle/>
           <a:p>
             <a:pPr algn="ctr"/>
-            <a:r>
-              <a:rPr lang="en-US" dirty="0"/>
-              <a:t>Task 2</a:t>
-            </a:r>
+            <a:endParaRPr lang="en-US"/>
           </a:p>
         </p:txBody>
       </p:sp>
       <p:cxnSp>
         <p:nvCxnSpPr>
-          <p:cNvPr id="15" name="Straight Arrow Connector 14">
-            <a:extLst>
-              <a:ext uri="{FF2B5EF4-FFF2-40B4-BE49-F238E27FC236}">
-                <a16:creationId xmlns:a16="http://schemas.microsoft.com/office/drawing/2014/main" id="{B616CD7E-BE23-4092-ABF9-33AFA29AF448}"/>
+          <p:cNvPr id="23" name="Straight Arrow Connector 22">
+            <a:extLst>
+              <a:ext uri="{FF2B5EF4-FFF2-40B4-BE49-F238E27FC236}">
+                <a16:creationId xmlns:a16="http://schemas.microsoft.com/office/drawing/2014/main" id="{306C4CA0-2011-447A-9B9B-E32C2B1AA265}"/>
               </a:ext>
             </a:extLst>
           </p:cNvPr>
           <p:cNvCxnSpPr>
-            <a:stCxn id="8" idx="6"/>
-            <a:endCxn id="10" idx="1"/>
+            <a:endCxn id="20" idx="0"/>
           </p:cNvCxnSpPr>
           <p:nvPr/>
         </p:nvCxnSpPr>
         <p:spPr>
-          <a:xfrm flipV="1">
-            <a:off x="1820879" y="2871691"/>
-            <a:ext cx="503221" cy="1"/>
+          <a:xfrm flipH="1">
+            <a:off x="5574030" y="5433060"/>
+            <a:ext cx="361950" cy="445770"/>
           </a:xfrm>
           <a:prstGeom prst="straightConnector1">
             <a:avLst/>
@@ -4946,14 +6070,2586 @@
           </a:ln>
         </p:spPr>
         <p:style>
-          <a:lnRef idx="3">
-            <a:schemeClr val="accent2"/>
+          <a:lnRef idx="1">
+            <a:schemeClr val="accent1"/>
           </a:lnRef>
           <a:fillRef idx="0">
-            <a:schemeClr val="accent2"/>
+            <a:schemeClr val="accent1"/>
+          </a:fillRef>
+          <a:effectRef idx="0">
+            <a:schemeClr val="accent1"/>
+          </a:effectRef>
+          <a:fontRef idx="minor">
+            <a:schemeClr val="tx1"/>
+          </a:fontRef>
+        </p:style>
+      </p:cxnSp>
+      <p:cxnSp>
+        <p:nvCxnSpPr>
+          <p:cNvPr id="25" name="Straight Arrow Connector 24">
+            <a:extLst>
+              <a:ext uri="{FF2B5EF4-FFF2-40B4-BE49-F238E27FC236}">
+                <a16:creationId xmlns:a16="http://schemas.microsoft.com/office/drawing/2014/main" id="{9835C187-CBD9-4F20-82BF-4B3BC5C95EAB}"/>
+              </a:ext>
+            </a:extLst>
+          </p:cNvPr>
+          <p:cNvCxnSpPr>
+            <a:endCxn id="21" idx="0"/>
+          </p:cNvCxnSpPr>
+          <p:nvPr/>
+        </p:nvCxnSpPr>
+        <p:spPr>
+          <a:xfrm>
+            <a:off x="6617970" y="5433060"/>
+            <a:ext cx="480060" cy="445770"/>
+          </a:xfrm>
+          <a:prstGeom prst="straightConnector1">
+            <a:avLst/>
+          </a:prstGeom>
+          <a:ln>
+            <a:tailEnd type="triangle"/>
+          </a:ln>
+        </p:spPr>
+        <p:style>
+          <a:lnRef idx="1">
+            <a:schemeClr val="accent1"/>
+          </a:lnRef>
+          <a:fillRef idx="0">
+            <a:schemeClr val="accent1"/>
+          </a:fillRef>
+          <a:effectRef idx="0">
+            <a:schemeClr val="accent1"/>
+          </a:effectRef>
+          <a:fontRef idx="minor">
+            <a:schemeClr val="tx1"/>
+          </a:fontRef>
+        </p:style>
+      </p:cxnSp>
+      <p:sp>
+        <p:nvSpPr>
+          <p:cNvPr id="26" name="Rectangle 25">
+            <a:extLst>
+              <a:ext uri="{FF2B5EF4-FFF2-40B4-BE49-F238E27FC236}">
+                <a16:creationId xmlns:a16="http://schemas.microsoft.com/office/drawing/2014/main" id="{FFEBA0CF-3A76-4B9F-AFC3-9C10D29C287C}"/>
+              </a:ext>
+            </a:extLst>
+          </p:cNvPr>
+          <p:cNvSpPr/>
+          <p:nvPr/>
+        </p:nvSpPr>
+        <p:spPr>
+          <a:xfrm>
+            <a:off x="8953500" y="4533900"/>
+            <a:ext cx="1775460" cy="899160"/>
+          </a:xfrm>
+          <a:prstGeom prst="rect">
+            <a:avLst/>
+          </a:prstGeom>
+        </p:spPr>
+        <p:style>
+          <a:lnRef idx="2">
+            <a:schemeClr val="accent1">
+              <a:shade val="50000"/>
+            </a:schemeClr>
+          </a:lnRef>
+          <a:fillRef idx="1">
+            <a:schemeClr val="accent1"/>
+          </a:fillRef>
+          <a:effectRef idx="0">
+            <a:schemeClr val="accent1"/>
+          </a:effectRef>
+          <a:fontRef idx="minor">
+            <a:schemeClr val="lt1"/>
+          </a:fontRef>
+        </p:style>
+        <p:txBody>
+          <a:bodyPr rtlCol="0" anchor="ctr"/>
+          <a:lstStyle/>
+          <a:p>
+            <a:pPr algn="ctr"/>
+            <a:r>
+              <a:rPr lang="en-US" dirty="0"/>
+              <a:t>Write-Once</a:t>
+            </a:r>
+          </a:p>
+        </p:txBody>
+      </p:sp>
+      <p:cxnSp>
+        <p:nvCxnSpPr>
+          <p:cNvPr id="28" name="Straight Arrow Connector 27">
+            <a:extLst>
+              <a:ext uri="{FF2B5EF4-FFF2-40B4-BE49-F238E27FC236}">
+                <a16:creationId xmlns:a16="http://schemas.microsoft.com/office/drawing/2014/main" id="{F93D1CB2-58AD-4D93-AC10-4EFB2340DA35}"/>
+              </a:ext>
+            </a:extLst>
+          </p:cNvPr>
+          <p:cNvCxnSpPr>
+            <a:cxnSpLocks/>
+            <a:endCxn id="26" idx="0"/>
+          </p:cNvCxnSpPr>
+          <p:nvPr/>
+        </p:nvCxnSpPr>
+        <p:spPr>
+          <a:xfrm>
+            <a:off x="9829800" y="3939540"/>
+            <a:ext cx="11430" cy="594360"/>
+          </a:xfrm>
+          <a:prstGeom prst="straightConnector1">
+            <a:avLst/>
+          </a:prstGeom>
+          <a:ln>
+            <a:tailEnd type="triangle"/>
+          </a:ln>
+        </p:spPr>
+        <p:style>
+          <a:lnRef idx="1">
+            <a:schemeClr val="accent1"/>
+          </a:lnRef>
+          <a:fillRef idx="0">
+            <a:schemeClr val="accent1"/>
+          </a:fillRef>
+          <a:effectRef idx="0">
+            <a:schemeClr val="accent1"/>
+          </a:effectRef>
+          <a:fontRef idx="minor">
+            <a:schemeClr val="tx1"/>
+          </a:fontRef>
+        </p:style>
+      </p:cxnSp>
+      <p:sp>
+        <p:nvSpPr>
+          <p:cNvPr id="30" name="Rectangle 29">
+            <a:extLst>
+              <a:ext uri="{FF2B5EF4-FFF2-40B4-BE49-F238E27FC236}">
+                <a16:creationId xmlns:a16="http://schemas.microsoft.com/office/drawing/2014/main" id="{CDFC3FF6-79DF-4127-B44C-B66D18C90F27}"/>
+              </a:ext>
+            </a:extLst>
+          </p:cNvPr>
+          <p:cNvSpPr/>
+          <p:nvPr/>
+        </p:nvSpPr>
+        <p:spPr>
+          <a:xfrm>
+            <a:off x="8953500" y="5878830"/>
+            <a:ext cx="1775460" cy="614045"/>
+          </a:xfrm>
+          <a:prstGeom prst="rect">
+            <a:avLst/>
+          </a:prstGeom>
+        </p:spPr>
+        <p:style>
+          <a:lnRef idx="2">
+            <a:schemeClr val="accent1">
+              <a:shade val="50000"/>
+            </a:schemeClr>
+          </a:lnRef>
+          <a:fillRef idx="1">
+            <a:schemeClr val="accent1"/>
+          </a:fillRef>
+          <a:effectRef idx="0">
+            <a:schemeClr val="accent1"/>
+          </a:effectRef>
+          <a:fontRef idx="minor">
+            <a:schemeClr val="lt1"/>
+          </a:fontRef>
+        </p:style>
+        <p:txBody>
+          <a:bodyPr rtlCol="0" anchor="ctr"/>
+          <a:lstStyle/>
+          <a:p>
+            <a:pPr algn="ctr"/>
+            <a:endParaRPr lang="en-US"/>
+          </a:p>
+        </p:txBody>
+      </p:sp>
+      <p:cxnSp>
+        <p:nvCxnSpPr>
+          <p:cNvPr id="32" name="Straight Arrow Connector 31">
+            <a:extLst>
+              <a:ext uri="{FF2B5EF4-FFF2-40B4-BE49-F238E27FC236}">
+                <a16:creationId xmlns:a16="http://schemas.microsoft.com/office/drawing/2014/main" id="{4C3E9018-B8C7-41D5-9171-46B4B87D5824}"/>
+              </a:ext>
+            </a:extLst>
+          </p:cNvPr>
+          <p:cNvCxnSpPr>
+            <a:stCxn id="26" idx="2"/>
+            <a:endCxn id="30" idx="0"/>
+          </p:cNvCxnSpPr>
+          <p:nvPr/>
+        </p:nvCxnSpPr>
+        <p:spPr>
+          <a:xfrm>
+            <a:off x="9841230" y="5433060"/>
+            <a:ext cx="0" cy="445770"/>
+          </a:xfrm>
+          <a:prstGeom prst="straightConnector1">
+            <a:avLst/>
+          </a:prstGeom>
+          <a:ln>
+            <a:tailEnd type="triangle"/>
+          </a:ln>
+        </p:spPr>
+        <p:style>
+          <a:lnRef idx="1">
+            <a:schemeClr val="accent1"/>
+          </a:lnRef>
+          <a:fillRef idx="0">
+            <a:schemeClr val="accent1"/>
+          </a:fillRef>
+          <a:effectRef idx="0">
+            <a:schemeClr val="accent1"/>
+          </a:effectRef>
+          <a:fontRef idx="minor">
+            <a:schemeClr val="tx1"/>
+          </a:fontRef>
+        </p:style>
+      </p:cxnSp>
+    </p:spTree>
+    <p:extLst>
+      <p:ext uri="{BB962C8B-B14F-4D97-AF65-F5344CB8AC3E}">
+        <p14:creationId xmlns:p14="http://schemas.microsoft.com/office/powerpoint/2010/main" val="2415358290"/>
+      </p:ext>
+    </p:extLst>
+  </p:cSld>
+  <p:clrMapOvr>
+    <a:masterClrMapping/>
+  </p:clrMapOvr>
+</p:sld>
+</file>
+
+<file path=ppt/slides/slide7.xml><?xml version="1.0" encoding="utf-8"?>
+<p:sld xmlns:a="http://schemas.openxmlformats.org/drawingml/2006/main" xmlns:r="http://schemas.openxmlformats.org/officeDocument/2006/relationships" xmlns:p="http://schemas.openxmlformats.org/presentationml/2006/main">
+  <p:cSld>
+    <p:spTree>
+      <p:nvGrpSpPr>
+        <p:cNvPr id="1" name=""/>
+        <p:cNvGrpSpPr/>
+        <p:nvPr/>
+      </p:nvGrpSpPr>
+      <p:grpSpPr>
+        <a:xfrm>
+          <a:off x="0" y="0"/>
+          <a:ext cx="0" cy="0"/>
+          <a:chOff x="0" y="0"/>
+          <a:chExt cx="0" cy="0"/>
+        </a:xfrm>
+      </p:grpSpPr>
+      <p:sp>
+        <p:nvSpPr>
+          <p:cNvPr id="2" name="Title 1">
+            <a:extLst>
+              <a:ext uri="{FF2B5EF4-FFF2-40B4-BE49-F238E27FC236}">
+                <a16:creationId xmlns:a16="http://schemas.microsoft.com/office/drawing/2014/main" id="{5635877A-1752-490F-B209-7F07EDD975EC}"/>
+              </a:ext>
+            </a:extLst>
+          </p:cNvPr>
+          <p:cNvSpPr>
+            <a:spLocks noGrp="1"/>
+          </p:cNvSpPr>
+          <p:nvPr>
+            <p:ph type="title"/>
+          </p:nvPr>
+        </p:nvSpPr>
+        <p:spPr/>
+        <p:txBody>
+          <a:bodyPr/>
+          <a:lstStyle/>
+          <a:p>
+            <a:r>
+              <a:rPr lang="en-US" dirty="0"/>
+              <a:t>Execution Blocks</a:t>
+            </a:r>
+          </a:p>
+        </p:txBody>
+      </p:sp>
+      <p:sp>
+        <p:nvSpPr>
+          <p:cNvPr id="3" name="Content Placeholder 2">
+            <a:extLst>
+              <a:ext uri="{FF2B5EF4-FFF2-40B4-BE49-F238E27FC236}">
+                <a16:creationId xmlns:a16="http://schemas.microsoft.com/office/drawing/2014/main" id="{CBBC6338-831C-45F1-9664-105C353ECF56}"/>
+              </a:ext>
+            </a:extLst>
+          </p:cNvPr>
+          <p:cNvSpPr>
+            <a:spLocks noGrp="1"/>
+          </p:cNvSpPr>
+          <p:nvPr>
+            <p:ph idx="1"/>
+          </p:nvPr>
+        </p:nvSpPr>
+        <p:spPr/>
+        <p:txBody>
+          <a:bodyPr/>
+          <a:lstStyle/>
+          <a:p>
+            <a:r>
+              <a:rPr lang="en-US" dirty="0" err="1"/>
+              <a:t>ActionBlock</a:t>
+            </a:r>
+            <a:r>
+              <a:rPr lang="en-US" dirty="0"/>
+              <a:t>&lt;</a:t>
+            </a:r>
+            <a:r>
+              <a:rPr lang="en-US" dirty="0" err="1"/>
+              <a:t>TInput</a:t>
+            </a:r>
+            <a:r>
+              <a:rPr lang="en-US" dirty="0"/>
+              <a:t>&gt;</a:t>
+            </a:r>
+          </a:p>
+          <a:p>
+            <a:r>
+              <a:rPr lang="en-US" dirty="0" err="1"/>
+              <a:t>TransformBlock</a:t>
+            </a:r>
+            <a:r>
+              <a:rPr lang="en-US" dirty="0"/>
+              <a:t>&lt;</a:t>
+            </a:r>
+            <a:r>
+              <a:rPr lang="en-US" dirty="0" err="1"/>
+              <a:t>TInput,TOutput</a:t>
+            </a:r>
+            <a:r>
+              <a:rPr lang="en-US" dirty="0"/>
+              <a:t>&gt;</a:t>
+            </a:r>
+          </a:p>
+          <a:p>
+            <a:r>
+              <a:rPr lang="en-US" dirty="0" err="1"/>
+              <a:t>TransformManyBlock</a:t>
+            </a:r>
+            <a:r>
+              <a:rPr lang="en-US" dirty="0"/>
+              <a:t>&lt;</a:t>
+            </a:r>
+            <a:r>
+              <a:rPr lang="en-US" dirty="0" err="1"/>
+              <a:t>TInput,TOutput</a:t>
+            </a:r>
+            <a:r>
+              <a:rPr lang="en-US" dirty="0"/>
+              <a:t>&gt;</a:t>
+            </a:r>
+          </a:p>
+        </p:txBody>
+      </p:sp>
+      <p:sp>
+        <p:nvSpPr>
+          <p:cNvPr id="4" name="Rectangle 3">
+            <a:extLst>
+              <a:ext uri="{FF2B5EF4-FFF2-40B4-BE49-F238E27FC236}">
+                <a16:creationId xmlns:a16="http://schemas.microsoft.com/office/drawing/2014/main" id="{043D95FC-4A01-460D-9A38-6FB6A241AD9C}"/>
+              </a:ext>
+            </a:extLst>
+          </p:cNvPr>
+          <p:cNvSpPr/>
+          <p:nvPr/>
+        </p:nvSpPr>
+        <p:spPr>
+          <a:xfrm>
+            <a:off x="1188720" y="4800600"/>
+            <a:ext cx="1661160" cy="800100"/>
+          </a:xfrm>
+          <a:prstGeom prst="rect">
+            <a:avLst/>
+          </a:prstGeom>
+        </p:spPr>
+        <p:style>
+          <a:lnRef idx="2">
+            <a:schemeClr val="accent1">
+              <a:shade val="50000"/>
+            </a:schemeClr>
+          </a:lnRef>
+          <a:fillRef idx="1">
+            <a:schemeClr val="accent1"/>
+          </a:fillRef>
+          <a:effectRef idx="0">
+            <a:schemeClr val="accent1"/>
+          </a:effectRef>
+          <a:fontRef idx="minor">
+            <a:schemeClr val="lt1"/>
+          </a:fontRef>
+        </p:style>
+        <p:txBody>
+          <a:bodyPr rtlCol="0" anchor="ctr"/>
+          <a:lstStyle/>
+          <a:p>
+            <a:pPr algn="ctr"/>
+            <a:r>
+              <a:rPr lang="en-US" dirty="0"/>
+              <a:t>Action</a:t>
+            </a:r>
+          </a:p>
+        </p:txBody>
+      </p:sp>
+      <p:cxnSp>
+        <p:nvCxnSpPr>
+          <p:cNvPr id="6" name="Straight Arrow Connector 5">
+            <a:extLst>
+              <a:ext uri="{FF2B5EF4-FFF2-40B4-BE49-F238E27FC236}">
+                <a16:creationId xmlns:a16="http://schemas.microsoft.com/office/drawing/2014/main" id="{C64F7269-B15F-48AC-97FC-7E223EF0C9C1}"/>
+              </a:ext>
+            </a:extLst>
+          </p:cNvPr>
+          <p:cNvCxnSpPr>
+            <a:cxnSpLocks/>
+          </p:cNvCxnSpPr>
+          <p:nvPr/>
+        </p:nvCxnSpPr>
+        <p:spPr>
+          <a:xfrm flipH="1">
+            <a:off x="2049780" y="4145280"/>
+            <a:ext cx="7620" cy="655320"/>
+          </a:xfrm>
+          <a:prstGeom prst="straightConnector1">
+            <a:avLst/>
+          </a:prstGeom>
+          <a:ln w="28575">
+            <a:tailEnd type="triangle"/>
+          </a:ln>
+        </p:spPr>
+        <p:style>
+          <a:lnRef idx="1">
+            <a:schemeClr val="accent1"/>
+          </a:lnRef>
+          <a:fillRef idx="0">
+            <a:schemeClr val="accent1"/>
+          </a:fillRef>
+          <a:effectRef idx="0">
+            <a:schemeClr val="accent1"/>
+          </a:effectRef>
+          <a:fontRef idx="minor">
+            <a:schemeClr val="tx1"/>
+          </a:fontRef>
+        </p:style>
+      </p:cxnSp>
+      <p:sp>
+        <p:nvSpPr>
+          <p:cNvPr id="7" name="Rectangle 6">
+            <a:extLst>
+              <a:ext uri="{FF2B5EF4-FFF2-40B4-BE49-F238E27FC236}">
+                <a16:creationId xmlns:a16="http://schemas.microsoft.com/office/drawing/2014/main" id="{9F9E470F-99A3-4F36-A8A9-9EA5315874BA}"/>
+              </a:ext>
+            </a:extLst>
+          </p:cNvPr>
+          <p:cNvSpPr/>
+          <p:nvPr/>
+        </p:nvSpPr>
+        <p:spPr>
+          <a:xfrm>
+            <a:off x="4191000" y="4800600"/>
+            <a:ext cx="1661160" cy="800100"/>
+          </a:xfrm>
+          <a:prstGeom prst="rect">
+            <a:avLst/>
+          </a:prstGeom>
+        </p:spPr>
+        <p:style>
+          <a:lnRef idx="2">
+            <a:schemeClr val="accent1">
+              <a:shade val="50000"/>
+            </a:schemeClr>
+          </a:lnRef>
+          <a:fillRef idx="1">
+            <a:schemeClr val="accent1"/>
+          </a:fillRef>
+          <a:effectRef idx="0">
+            <a:schemeClr val="accent1"/>
+          </a:effectRef>
+          <a:fontRef idx="minor">
+            <a:schemeClr val="lt1"/>
+          </a:fontRef>
+        </p:style>
+        <p:txBody>
+          <a:bodyPr rtlCol="0" anchor="ctr"/>
+          <a:lstStyle/>
+          <a:p>
+            <a:pPr algn="ctr"/>
+            <a:r>
+              <a:rPr lang="en-US" dirty="0"/>
+              <a:t>Transform</a:t>
+            </a:r>
+          </a:p>
+        </p:txBody>
+      </p:sp>
+      <p:cxnSp>
+        <p:nvCxnSpPr>
+          <p:cNvPr id="9" name="Straight Arrow Connector 8">
+            <a:extLst>
+              <a:ext uri="{FF2B5EF4-FFF2-40B4-BE49-F238E27FC236}">
+                <a16:creationId xmlns:a16="http://schemas.microsoft.com/office/drawing/2014/main" id="{11500A6E-3E5F-4CDF-B85C-EF5A1EBAF0D5}"/>
+              </a:ext>
+            </a:extLst>
+          </p:cNvPr>
+          <p:cNvCxnSpPr>
+            <a:cxnSpLocks/>
+          </p:cNvCxnSpPr>
+          <p:nvPr/>
+        </p:nvCxnSpPr>
+        <p:spPr>
+          <a:xfrm>
+            <a:off x="5044440" y="4145280"/>
+            <a:ext cx="7620" cy="655320"/>
+          </a:xfrm>
+          <a:prstGeom prst="straightConnector1">
+            <a:avLst/>
+          </a:prstGeom>
+          <a:ln w="28575">
+            <a:tailEnd type="triangle"/>
+          </a:ln>
+        </p:spPr>
+        <p:style>
+          <a:lnRef idx="1">
+            <a:schemeClr val="accent1"/>
+          </a:lnRef>
+          <a:fillRef idx="0">
+            <a:schemeClr val="accent1"/>
+          </a:fillRef>
+          <a:effectRef idx="0">
+            <a:schemeClr val="accent1"/>
+          </a:effectRef>
+          <a:fontRef idx="minor">
+            <a:schemeClr val="tx1"/>
+          </a:fontRef>
+        </p:style>
+      </p:cxnSp>
+      <p:cxnSp>
+        <p:nvCxnSpPr>
+          <p:cNvPr id="11" name="Straight Arrow Connector 10">
+            <a:extLst>
+              <a:ext uri="{FF2B5EF4-FFF2-40B4-BE49-F238E27FC236}">
+                <a16:creationId xmlns:a16="http://schemas.microsoft.com/office/drawing/2014/main" id="{AA8B271F-1C7F-4D49-9025-4B0F99DC51EE}"/>
+              </a:ext>
+            </a:extLst>
+          </p:cNvPr>
+          <p:cNvCxnSpPr>
+            <a:cxnSpLocks/>
+          </p:cNvCxnSpPr>
+          <p:nvPr/>
+        </p:nvCxnSpPr>
+        <p:spPr>
+          <a:xfrm>
+            <a:off x="5052060" y="5600700"/>
+            <a:ext cx="0" cy="711200"/>
+          </a:xfrm>
+          <a:prstGeom prst="straightConnector1">
+            <a:avLst/>
+          </a:prstGeom>
+          <a:ln>
+            <a:tailEnd type="triangle"/>
+          </a:ln>
+        </p:spPr>
+        <p:style>
+          <a:lnRef idx="3">
+            <a:schemeClr val="accent6"/>
+          </a:lnRef>
+          <a:fillRef idx="0">
+            <a:schemeClr val="accent6"/>
           </a:fillRef>
           <a:effectRef idx="2">
-            <a:schemeClr val="accent2"/>
+            <a:schemeClr val="accent6"/>
+          </a:effectRef>
+          <a:fontRef idx="minor">
+            <a:schemeClr val="tx1"/>
+          </a:fontRef>
+        </p:style>
+      </p:cxnSp>
+      <p:sp>
+        <p:nvSpPr>
+          <p:cNvPr id="12" name="Rectangle 11">
+            <a:extLst>
+              <a:ext uri="{FF2B5EF4-FFF2-40B4-BE49-F238E27FC236}">
+                <a16:creationId xmlns:a16="http://schemas.microsoft.com/office/drawing/2014/main" id="{C35CB407-BEE9-4225-88D1-408080968482}"/>
+              </a:ext>
+            </a:extLst>
+          </p:cNvPr>
+          <p:cNvSpPr/>
+          <p:nvPr/>
+        </p:nvSpPr>
+        <p:spPr>
+          <a:xfrm>
+            <a:off x="7307580" y="4800600"/>
+            <a:ext cx="1661160" cy="800100"/>
+          </a:xfrm>
+          <a:prstGeom prst="rect">
+            <a:avLst/>
+          </a:prstGeom>
+        </p:spPr>
+        <p:style>
+          <a:lnRef idx="2">
+            <a:schemeClr val="accent1">
+              <a:shade val="50000"/>
+            </a:schemeClr>
+          </a:lnRef>
+          <a:fillRef idx="1">
+            <a:schemeClr val="accent1"/>
+          </a:fillRef>
+          <a:effectRef idx="0">
+            <a:schemeClr val="accent1"/>
+          </a:effectRef>
+          <a:fontRef idx="minor">
+            <a:schemeClr val="lt1"/>
+          </a:fontRef>
+        </p:style>
+        <p:txBody>
+          <a:bodyPr rtlCol="0" anchor="ctr"/>
+          <a:lstStyle/>
+          <a:p>
+            <a:pPr algn="ctr"/>
+            <a:r>
+              <a:rPr lang="en-US" dirty="0" err="1"/>
+              <a:t>TransformMany</a:t>
+            </a:r>
+            <a:endParaRPr lang="en-US" dirty="0"/>
+          </a:p>
+        </p:txBody>
+      </p:sp>
+      <p:cxnSp>
+        <p:nvCxnSpPr>
+          <p:cNvPr id="14" name="Straight Arrow Connector 13">
+            <a:extLst>
+              <a:ext uri="{FF2B5EF4-FFF2-40B4-BE49-F238E27FC236}">
+                <a16:creationId xmlns:a16="http://schemas.microsoft.com/office/drawing/2014/main" id="{319D7255-B325-4459-BDA9-1B1B46DF9345}"/>
+              </a:ext>
+            </a:extLst>
+          </p:cNvPr>
+          <p:cNvCxnSpPr>
+            <a:endCxn id="12" idx="0"/>
+          </p:cNvCxnSpPr>
+          <p:nvPr/>
+        </p:nvCxnSpPr>
+        <p:spPr>
+          <a:xfrm>
+            <a:off x="8138160" y="4076700"/>
+            <a:ext cx="0" cy="723900"/>
+          </a:xfrm>
+          <a:prstGeom prst="straightConnector1">
+            <a:avLst/>
+          </a:prstGeom>
+          <a:ln w="28575">
+            <a:tailEnd type="triangle"/>
+          </a:ln>
+        </p:spPr>
+        <p:style>
+          <a:lnRef idx="1">
+            <a:schemeClr val="accent1"/>
+          </a:lnRef>
+          <a:fillRef idx="0">
+            <a:schemeClr val="accent1"/>
+          </a:fillRef>
+          <a:effectRef idx="0">
+            <a:schemeClr val="accent1"/>
+          </a:effectRef>
+          <a:fontRef idx="minor">
+            <a:schemeClr val="tx1"/>
+          </a:fontRef>
+        </p:style>
+      </p:cxnSp>
+      <p:cxnSp>
+        <p:nvCxnSpPr>
+          <p:cNvPr id="18" name="Straight Arrow Connector 17">
+            <a:extLst>
+              <a:ext uri="{FF2B5EF4-FFF2-40B4-BE49-F238E27FC236}">
+                <a16:creationId xmlns:a16="http://schemas.microsoft.com/office/drawing/2014/main" id="{03A94967-7461-48A0-95F6-F5459964F81D}"/>
+              </a:ext>
+            </a:extLst>
+          </p:cNvPr>
+          <p:cNvCxnSpPr/>
+          <p:nvPr/>
+        </p:nvCxnSpPr>
+        <p:spPr>
+          <a:xfrm>
+            <a:off x="7597140" y="5600700"/>
+            <a:ext cx="0" cy="711200"/>
+          </a:xfrm>
+          <a:prstGeom prst="straightConnector1">
+            <a:avLst/>
+          </a:prstGeom>
+          <a:ln>
+            <a:tailEnd type="triangle"/>
+          </a:ln>
+        </p:spPr>
+        <p:style>
+          <a:lnRef idx="3">
+            <a:schemeClr val="accent6"/>
+          </a:lnRef>
+          <a:fillRef idx="0">
+            <a:schemeClr val="accent6"/>
+          </a:fillRef>
+          <a:effectRef idx="2">
+            <a:schemeClr val="accent6"/>
+          </a:effectRef>
+          <a:fontRef idx="minor">
+            <a:schemeClr val="tx1"/>
+          </a:fontRef>
+        </p:style>
+      </p:cxnSp>
+      <p:cxnSp>
+        <p:nvCxnSpPr>
+          <p:cNvPr id="20" name="Straight Arrow Connector 19">
+            <a:extLst>
+              <a:ext uri="{FF2B5EF4-FFF2-40B4-BE49-F238E27FC236}">
+                <a16:creationId xmlns:a16="http://schemas.microsoft.com/office/drawing/2014/main" id="{F88D7E25-EA13-4A17-BB78-80DF1C55BABE}"/>
+              </a:ext>
+            </a:extLst>
+          </p:cNvPr>
+          <p:cNvCxnSpPr/>
+          <p:nvPr/>
+        </p:nvCxnSpPr>
+        <p:spPr>
+          <a:xfrm>
+            <a:off x="7909560" y="5600700"/>
+            <a:ext cx="0" cy="711200"/>
+          </a:xfrm>
+          <a:prstGeom prst="straightConnector1">
+            <a:avLst/>
+          </a:prstGeom>
+          <a:ln>
+            <a:tailEnd type="triangle"/>
+          </a:ln>
+        </p:spPr>
+        <p:style>
+          <a:lnRef idx="3">
+            <a:schemeClr val="accent6"/>
+          </a:lnRef>
+          <a:fillRef idx="0">
+            <a:schemeClr val="accent6"/>
+          </a:fillRef>
+          <a:effectRef idx="2">
+            <a:schemeClr val="accent6"/>
+          </a:effectRef>
+          <a:fontRef idx="minor">
+            <a:schemeClr val="tx1"/>
+          </a:fontRef>
+        </p:style>
+      </p:cxnSp>
+      <p:cxnSp>
+        <p:nvCxnSpPr>
+          <p:cNvPr id="22" name="Straight Arrow Connector 21">
+            <a:extLst>
+              <a:ext uri="{FF2B5EF4-FFF2-40B4-BE49-F238E27FC236}">
+                <a16:creationId xmlns:a16="http://schemas.microsoft.com/office/drawing/2014/main" id="{6FBF0287-DE58-45C6-83A3-CCEA9C999706}"/>
+              </a:ext>
+            </a:extLst>
+          </p:cNvPr>
+          <p:cNvCxnSpPr/>
+          <p:nvPr/>
+        </p:nvCxnSpPr>
+        <p:spPr>
+          <a:xfrm>
+            <a:off x="8252460" y="5600700"/>
+            <a:ext cx="0" cy="711200"/>
+          </a:xfrm>
+          <a:prstGeom prst="straightConnector1">
+            <a:avLst/>
+          </a:prstGeom>
+          <a:ln>
+            <a:tailEnd type="triangle"/>
+          </a:ln>
+        </p:spPr>
+        <p:style>
+          <a:lnRef idx="3">
+            <a:schemeClr val="accent6"/>
+          </a:lnRef>
+          <a:fillRef idx="0">
+            <a:schemeClr val="accent6"/>
+          </a:fillRef>
+          <a:effectRef idx="2">
+            <a:schemeClr val="accent6"/>
+          </a:effectRef>
+          <a:fontRef idx="minor">
+            <a:schemeClr val="tx1"/>
+          </a:fontRef>
+        </p:style>
+      </p:cxnSp>
+      <p:cxnSp>
+        <p:nvCxnSpPr>
+          <p:cNvPr id="24" name="Straight Arrow Connector 23">
+            <a:extLst>
+              <a:ext uri="{FF2B5EF4-FFF2-40B4-BE49-F238E27FC236}">
+                <a16:creationId xmlns:a16="http://schemas.microsoft.com/office/drawing/2014/main" id="{61BA5973-3EA4-4857-9CD3-BD0EF429D5C5}"/>
+              </a:ext>
+            </a:extLst>
+          </p:cNvPr>
+          <p:cNvCxnSpPr/>
+          <p:nvPr/>
+        </p:nvCxnSpPr>
+        <p:spPr>
+          <a:xfrm>
+            <a:off x="8633460" y="5600700"/>
+            <a:ext cx="0" cy="711200"/>
+          </a:xfrm>
+          <a:prstGeom prst="straightConnector1">
+            <a:avLst/>
+          </a:prstGeom>
+          <a:ln>
+            <a:tailEnd type="triangle"/>
+          </a:ln>
+        </p:spPr>
+        <p:style>
+          <a:lnRef idx="3">
+            <a:schemeClr val="accent6"/>
+          </a:lnRef>
+          <a:fillRef idx="0">
+            <a:schemeClr val="accent6"/>
+          </a:fillRef>
+          <a:effectRef idx="2">
+            <a:schemeClr val="accent6"/>
+          </a:effectRef>
+          <a:fontRef idx="minor">
+            <a:schemeClr val="tx1"/>
+          </a:fontRef>
+        </p:style>
+      </p:cxnSp>
+    </p:spTree>
+    <p:extLst>
+      <p:ext uri="{BB962C8B-B14F-4D97-AF65-F5344CB8AC3E}">
+        <p14:creationId xmlns:p14="http://schemas.microsoft.com/office/powerpoint/2010/main" val="1345718390"/>
+      </p:ext>
+    </p:extLst>
+  </p:cSld>
+  <p:clrMapOvr>
+    <a:masterClrMapping/>
+  </p:clrMapOvr>
+</p:sld>
+</file>
+
+<file path=ppt/slides/slide8.xml><?xml version="1.0" encoding="utf-8"?>
+<p:sld xmlns:a="http://schemas.openxmlformats.org/drawingml/2006/main" xmlns:r="http://schemas.openxmlformats.org/officeDocument/2006/relationships" xmlns:p="http://schemas.openxmlformats.org/presentationml/2006/main">
+  <p:cSld>
+    <p:spTree>
+      <p:nvGrpSpPr>
+        <p:cNvPr id="1" name=""/>
+        <p:cNvGrpSpPr/>
+        <p:nvPr/>
+      </p:nvGrpSpPr>
+      <p:grpSpPr>
+        <a:xfrm>
+          <a:off x="0" y="0"/>
+          <a:ext cx="0" cy="0"/>
+          <a:chOff x="0" y="0"/>
+          <a:chExt cx="0" cy="0"/>
+        </a:xfrm>
+      </p:grpSpPr>
+      <p:sp>
+        <p:nvSpPr>
+          <p:cNvPr id="2" name="Title 1">
+            <a:extLst>
+              <a:ext uri="{FF2B5EF4-FFF2-40B4-BE49-F238E27FC236}">
+                <a16:creationId xmlns:a16="http://schemas.microsoft.com/office/drawing/2014/main" id="{E2AF7342-BCF1-47DA-A972-61534CE05F3D}"/>
+              </a:ext>
+            </a:extLst>
+          </p:cNvPr>
+          <p:cNvSpPr>
+            <a:spLocks noGrp="1"/>
+          </p:cNvSpPr>
+          <p:nvPr>
+            <p:ph type="title"/>
+          </p:nvPr>
+        </p:nvSpPr>
+        <p:spPr/>
+        <p:txBody>
+          <a:bodyPr/>
+          <a:lstStyle/>
+          <a:p>
+            <a:r>
+              <a:rPr lang="en-US" dirty="0"/>
+              <a:t>Grouping Blocks</a:t>
+            </a:r>
+          </a:p>
+        </p:txBody>
+      </p:sp>
+      <p:sp>
+        <p:nvSpPr>
+          <p:cNvPr id="3" name="Content Placeholder 2">
+            <a:extLst>
+              <a:ext uri="{FF2B5EF4-FFF2-40B4-BE49-F238E27FC236}">
+                <a16:creationId xmlns:a16="http://schemas.microsoft.com/office/drawing/2014/main" id="{77F3A05F-6A0B-4932-954C-F56D0EE5392B}"/>
+              </a:ext>
+            </a:extLst>
+          </p:cNvPr>
+          <p:cNvSpPr>
+            <a:spLocks noGrp="1"/>
+          </p:cNvSpPr>
+          <p:nvPr>
+            <p:ph idx="1"/>
+          </p:nvPr>
+        </p:nvSpPr>
+        <p:spPr/>
+        <p:txBody>
+          <a:bodyPr/>
+          <a:lstStyle/>
+          <a:p>
+            <a:r>
+              <a:rPr lang="en-US" dirty="0" err="1"/>
+              <a:t>BatchBlock</a:t>
+            </a:r>
+            <a:r>
+              <a:rPr lang="en-US" dirty="0"/>
+              <a:t>&lt;T&gt;</a:t>
+            </a:r>
+          </a:p>
+          <a:p>
+            <a:r>
+              <a:rPr lang="en-US" dirty="0" err="1"/>
+              <a:t>JoinBlock</a:t>
+            </a:r>
+            <a:r>
+              <a:rPr lang="en-US" dirty="0"/>
+              <a:t>&lt;T1,T2&gt;</a:t>
+            </a:r>
+          </a:p>
+          <a:p>
+            <a:r>
+              <a:rPr lang="en-US" dirty="0" err="1"/>
+              <a:t>BatchedJoinBlock</a:t>
+            </a:r>
+            <a:r>
+              <a:rPr lang="en-US" dirty="0"/>
+              <a:t>&lt;T1,T2&gt; </a:t>
+            </a:r>
+          </a:p>
+        </p:txBody>
+      </p:sp>
+      <p:sp>
+        <p:nvSpPr>
+          <p:cNvPr id="4" name="Rectangle 3">
+            <a:extLst>
+              <a:ext uri="{FF2B5EF4-FFF2-40B4-BE49-F238E27FC236}">
+                <a16:creationId xmlns:a16="http://schemas.microsoft.com/office/drawing/2014/main" id="{1C92F9CF-FB9E-44B2-85D9-91D50CFEB5D3}"/>
+              </a:ext>
+            </a:extLst>
+          </p:cNvPr>
+          <p:cNvSpPr/>
+          <p:nvPr/>
+        </p:nvSpPr>
+        <p:spPr>
+          <a:xfrm>
+            <a:off x="1051560" y="4625340"/>
+            <a:ext cx="1828800" cy="807720"/>
+          </a:xfrm>
+          <a:prstGeom prst="rect">
+            <a:avLst/>
+          </a:prstGeom>
+        </p:spPr>
+        <p:style>
+          <a:lnRef idx="2">
+            <a:schemeClr val="accent1">
+              <a:shade val="50000"/>
+            </a:schemeClr>
+          </a:lnRef>
+          <a:fillRef idx="1">
+            <a:schemeClr val="accent1"/>
+          </a:fillRef>
+          <a:effectRef idx="0">
+            <a:schemeClr val="accent1"/>
+          </a:effectRef>
+          <a:fontRef idx="minor">
+            <a:schemeClr val="lt1"/>
+          </a:fontRef>
+        </p:style>
+        <p:txBody>
+          <a:bodyPr rtlCol="0" anchor="ctr"/>
+          <a:lstStyle/>
+          <a:p>
+            <a:pPr algn="ctr"/>
+            <a:r>
+              <a:rPr lang="en-US" dirty="0"/>
+              <a:t>Batch</a:t>
+            </a:r>
+          </a:p>
+        </p:txBody>
+      </p:sp>
+      <p:cxnSp>
+        <p:nvCxnSpPr>
+          <p:cNvPr id="6" name="Straight Arrow Connector 5">
+            <a:extLst>
+              <a:ext uri="{FF2B5EF4-FFF2-40B4-BE49-F238E27FC236}">
+                <a16:creationId xmlns:a16="http://schemas.microsoft.com/office/drawing/2014/main" id="{591DCFEA-CBA2-4E04-9F73-70CBA2036DDF}"/>
+              </a:ext>
+            </a:extLst>
+          </p:cNvPr>
+          <p:cNvCxnSpPr/>
+          <p:nvPr/>
+        </p:nvCxnSpPr>
+        <p:spPr>
+          <a:xfrm>
+            <a:off x="1356360" y="3947160"/>
+            <a:ext cx="0" cy="678180"/>
+          </a:xfrm>
+          <a:prstGeom prst="straightConnector1">
+            <a:avLst/>
+          </a:prstGeom>
+          <a:ln>
+            <a:tailEnd type="triangle"/>
+          </a:ln>
+        </p:spPr>
+        <p:style>
+          <a:lnRef idx="1">
+            <a:schemeClr val="accent1"/>
+          </a:lnRef>
+          <a:fillRef idx="0">
+            <a:schemeClr val="accent1"/>
+          </a:fillRef>
+          <a:effectRef idx="0">
+            <a:schemeClr val="accent1"/>
+          </a:effectRef>
+          <a:fontRef idx="minor">
+            <a:schemeClr val="tx1"/>
+          </a:fontRef>
+        </p:style>
+      </p:cxnSp>
+      <p:cxnSp>
+        <p:nvCxnSpPr>
+          <p:cNvPr id="8" name="Straight Arrow Connector 7">
+            <a:extLst>
+              <a:ext uri="{FF2B5EF4-FFF2-40B4-BE49-F238E27FC236}">
+                <a16:creationId xmlns:a16="http://schemas.microsoft.com/office/drawing/2014/main" id="{88C9627F-0DF0-4516-A545-A30123A8D557}"/>
+              </a:ext>
+            </a:extLst>
+          </p:cNvPr>
+          <p:cNvCxnSpPr/>
+          <p:nvPr/>
+        </p:nvCxnSpPr>
+        <p:spPr>
+          <a:xfrm>
+            <a:off x="1783080" y="3947160"/>
+            <a:ext cx="0" cy="678180"/>
+          </a:xfrm>
+          <a:prstGeom prst="straightConnector1">
+            <a:avLst/>
+          </a:prstGeom>
+          <a:ln>
+            <a:tailEnd type="triangle"/>
+          </a:ln>
+        </p:spPr>
+        <p:style>
+          <a:lnRef idx="1">
+            <a:schemeClr val="accent1"/>
+          </a:lnRef>
+          <a:fillRef idx="0">
+            <a:schemeClr val="accent1"/>
+          </a:fillRef>
+          <a:effectRef idx="0">
+            <a:schemeClr val="accent1"/>
+          </a:effectRef>
+          <a:fontRef idx="minor">
+            <a:schemeClr val="tx1"/>
+          </a:fontRef>
+        </p:style>
+      </p:cxnSp>
+      <p:cxnSp>
+        <p:nvCxnSpPr>
+          <p:cNvPr id="10" name="Straight Arrow Connector 9">
+            <a:extLst>
+              <a:ext uri="{FF2B5EF4-FFF2-40B4-BE49-F238E27FC236}">
+                <a16:creationId xmlns:a16="http://schemas.microsoft.com/office/drawing/2014/main" id="{D3601DA4-4DD1-480A-A0C4-2371B046DA88}"/>
+              </a:ext>
+            </a:extLst>
+          </p:cNvPr>
+          <p:cNvCxnSpPr/>
+          <p:nvPr/>
+        </p:nvCxnSpPr>
+        <p:spPr>
+          <a:xfrm>
+            <a:off x="2202180" y="3947160"/>
+            <a:ext cx="0" cy="678180"/>
+          </a:xfrm>
+          <a:prstGeom prst="straightConnector1">
+            <a:avLst/>
+          </a:prstGeom>
+          <a:ln>
+            <a:tailEnd type="triangle"/>
+          </a:ln>
+        </p:spPr>
+        <p:style>
+          <a:lnRef idx="1">
+            <a:schemeClr val="accent1"/>
+          </a:lnRef>
+          <a:fillRef idx="0">
+            <a:schemeClr val="accent1"/>
+          </a:fillRef>
+          <a:effectRef idx="0">
+            <a:schemeClr val="accent1"/>
+          </a:effectRef>
+          <a:fontRef idx="minor">
+            <a:schemeClr val="tx1"/>
+          </a:fontRef>
+        </p:style>
+      </p:cxnSp>
+      <p:cxnSp>
+        <p:nvCxnSpPr>
+          <p:cNvPr id="12" name="Straight Arrow Connector 11">
+            <a:extLst>
+              <a:ext uri="{FF2B5EF4-FFF2-40B4-BE49-F238E27FC236}">
+                <a16:creationId xmlns:a16="http://schemas.microsoft.com/office/drawing/2014/main" id="{786B9FDA-B0DE-44AA-933D-749DC22A68F6}"/>
+              </a:ext>
+            </a:extLst>
+          </p:cNvPr>
+          <p:cNvCxnSpPr/>
+          <p:nvPr/>
+        </p:nvCxnSpPr>
+        <p:spPr>
+          <a:xfrm>
+            <a:off x="2590800" y="3947160"/>
+            <a:ext cx="0" cy="678180"/>
+          </a:xfrm>
+          <a:prstGeom prst="straightConnector1">
+            <a:avLst/>
+          </a:prstGeom>
+          <a:ln>
+            <a:tailEnd type="triangle"/>
+          </a:ln>
+        </p:spPr>
+        <p:style>
+          <a:lnRef idx="1">
+            <a:schemeClr val="accent1"/>
+          </a:lnRef>
+          <a:fillRef idx="0">
+            <a:schemeClr val="accent1"/>
+          </a:fillRef>
+          <a:effectRef idx="0">
+            <a:schemeClr val="accent1"/>
+          </a:effectRef>
+          <a:fontRef idx="minor">
+            <a:schemeClr val="tx1"/>
+          </a:fontRef>
+        </p:style>
+      </p:cxnSp>
+      <p:cxnSp>
+        <p:nvCxnSpPr>
+          <p:cNvPr id="14" name="Straight Arrow Connector 13">
+            <a:extLst>
+              <a:ext uri="{FF2B5EF4-FFF2-40B4-BE49-F238E27FC236}">
+                <a16:creationId xmlns:a16="http://schemas.microsoft.com/office/drawing/2014/main" id="{620D0F1F-18B5-4EA3-9C39-24A16AB52550}"/>
+              </a:ext>
+            </a:extLst>
+          </p:cNvPr>
+          <p:cNvCxnSpPr>
+            <a:stCxn id="4" idx="2"/>
+          </p:cNvCxnSpPr>
+          <p:nvPr/>
+        </p:nvCxnSpPr>
+        <p:spPr>
+          <a:xfrm>
+            <a:off x="1965960" y="5433060"/>
+            <a:ext cx="7620" cy="743903"/>
+          </a:xfrm>
+          <a:prstGeom prst="straightConnector1">
+            <a:avLst/>
+          </a:prstGeom>
+          <a:ln w="76200">
+            <a:tailEnd type="triangle"/>
+          </a:ln>
+        </p:spPr>
+        <p:style>
+          <a:lnRef idx="1">
+            <a:schemeClr val="accent6"/>
+          </a:lnRef>
+          <a:fillRef idx="0">
+            <a:schemeClr val="accent6"/>
+          </a:fillRef>
+          <a:effectRef idx="0">
+            <a:schemeClr val="accent6"/>
+          </a:effectRef>
+          <a:fontRef idx="minor">
+            <a:schemeClr val="tx1"/>
+          </a:fontRef>
+        </p:style>
+      </p:cxnSp>
+      <p:sp>
+        <p:nvSpPr>
+          <p:cNvPr id="15" name="Rectangle 14">
+            <a:extLst>
+              <a:ext uri="{FF2B5EF4-FFF2-40B4-BE49-F238E27FC236}">
+                <a16:creationId xmlns:a16="http://schemas.microsoft.com/office/drawing/2014/main" id="{73C37E47-40F6-47DA-94FD-C48F4A804353}"/>
+              </a:ext>
+            </a:extLst>
+          </p:cNvPr>
+          <p:cNvSpPr/>
+          <p:nvPr/>
+        </p:nvSpPr>
+        <p:spPr>
+          <a:xfrm>
+            <a:off x="4236720" y="4625340"/>
+            <a:ext cx="1668780" cy="807720"/>
+          </a:xfrm>
+          <a:prstGeom prst="rect">
+            <a:avLst/>
+          </a:prstGeom>
+        </p:spPr>
+        <p:style>
+          <a:lnRef idx="2">
+            <a:schemeClr val="accent1">
+              <a:shade val="50000"/>
+            </a:schemeClr>
+          </a:lnRef>
+          <a:fillRef idx="1">
+            <a:schemeClr val="accent1"/>
+          </a:fillRef>
+          <a:effectRef idx="0">
+            <a:schemeClr val="accent1"/>
+          </a:effectRef>
+          <a:fontRef idx="minor">
+            <a:schemeClr val="lt1"/>
+          </a:fontRef>
+        </p:style>
+        <p:txBody>
+          <a:bodyPr rtlCol="0" anchor="ctr"/>
+          <a:lstStyle/>
+          <a:p>
+            <a:pPr algn="ctr"/>
+            <a:r>
+              <a:rPr lang="en-US" dirty="0"/>
+              <a:t>Join</a:t>
+            </a:r>
+          </a:p>
+        </p:txBody>
+      </p:sp>
+      <p:cxnSp>
+        <p:nvCxnSpPr>
+          <p:cNvPr id="17" name="Straight Arrow Connector 16">
+            <a:extLst>
+              <a:ext uri="{FF2B5EF4-FFF2-40B4-BE49-F238E27FC236}">
+                <a16:creationId xmlns:a16="http://schemas.microsoft.com/office/drawing/2014/main" id="{7E2A3157-5E2C-486C-AF8A-E48D71BC9490}"/>
+              </a:ext>
+            </a:extLst>
+          </p:cNvPr>
+          <p:cNvCxnSpPr/>
+          <p:nvPr/>
+        </p:nvCxnSpPr>
+        <p:spPr>
+          <a:xfrm>
+            <a:off x="4709160" y="3947160"/>
+            <a:ext cx="0" cy="678180"/>
+          </a:xfrm>
+          <a:prstGeom prst="straightConnector1">
+            <a:avLst/>
+          </a:prstGeom>
+          <a:ln>
+            <a:tailEnd type="triangle"/>
+          </a:ln>
+        </p:spPr>
+        <p:style>
+          <a:lnRef idx="1">
+            <a:schemeClr val="accent1"/>
+          </a:lnRef>
+          <a:fillRef idx="0">
+            <a:schemeClr val="accent1"/>
+          </a:fillRef>
+          <a:effectRef idx="0">
+            <a:schemeClr val="accent1"/>
+          </a:effectRef>
+          <a:fontRef idx="minor">
+            <a:schemeClr val="tx1"/>
+          </a:fontRef>
+        </p:style>
+      </p:cxnSp>
+      <p:cxnSp>
+        <p:nvCxnSpPr>
+          <p:cNvPr id="19" name="Straight Arrow Connector 18">
+            <a:extLst>
+              <a:ext uri="{FF2B5EF4-FFF2-40B4-BE49-F238E27FC236}">
+                <a16:creationId xmlns:a16="http://schemas.microsoft.com/office/drawing/2014/main" id="{947E410B-D2A1-40D6-AA02-B6BB833E7FC7}"/>
+              </a:ext>
+            </a:extLst>
+          </p:cNvPr>
+          <p:cNvCxnSpPr/>
+          <p:nvPr/>
+        </p:nvCxnSpPr>
+        <p:spPr>
+          <a:xfrm>
+            <a:off x="5387340" y="3947160"/>
+            <a:ext cx="0" cy="678180"/>
+          </a:xfrm>
+          <a:prstGeom prst="straightConnector1">
+            <a:avLst/>
+          </a:prstGeom>
+          <a:ln>
+            <a:tailEnd type="triangle"/>
+          </a:ln>
+        </p:spPr>
+        <p:style>
+          <a:lnRef idx="1">
+            <a:schemeClr val="accent1"/>
+          </a:lnRef>
+          <a:fillRef idx="0">
+            <a:schemeClr val="accent1"/>
+          </a:fillRef>
+          <a:effectRef idx="0">
+            <a:schemeClr val="accent1"/>
+          </a:effectRef>
+          <a:fontRef idx="minor">
+            <a:schemeClr val="tx1"/>
+          </a:fontRef>
+        </p:style>
+      </p:cxnSp>
+      <p:cxnSp>
+        <p:nvCxnSpPr>
+          <p:cNvPr id="21" name="Straight Arrow Connector 20">
+            <a:extLst>
+              <a:ext uri="{FF2B5EF4-FFF2-40B4-BE49-F238E27FC236}">
+                <a16:creationId xmlns:a16="http://schemas.microsoft.com/office/drawing/2014/main" id="{A6AD3D2D-B652-4089-982A-7F6F47ED5DEB}"/>
+              </a:ext>
+            </a:extLst>
+          </p:cNvPr>
+          <p:cNvCxnSpPr>
+            <a:stCxn id="15" idx="2"/>
+          </p:cNvCxnSpPr>
+          <p:nvPr/>
+        </p:nvCxnSpPr>
+        <p:spPr>
+          <a:xfrm flipH="1">
+            <a:off x="5059680" y="5433060"/>
+            <a:ext cx="11430" cy="640080"/>
+          </a:xfrm>
+          <a:prstGeom prst="straightConnector1">
+            <a:avLst/>
+          </a:prstGeom>
+          <a:ln>
+            <a:tailEnd type="triangle"/>
+          </a:ln>
+        </p:spPr>
+        <p:style>
+          <a:lnRef idx="1">
+            <a:schemeClr val="accent6"/>
+          </a:lnRef>
+          <a:fillRef idx="0">
+            <a:schemeClr val="accent6"/>
+          </a:fillRef>
+          <a:effectRef idx="0">
+            <a:schemeClr val="accent6"/>
+          </a:effectRef>
+          <a:fontRef idx="minor">
+            <a:schemeClr val="tx1"/>
+          </a:fontRef>
+        </p:style>
+      </p:cxnSp>
+      <p:sp>
+        <p:nvSpPr>
+          <p:cNvPr id="22" name="TextBox 21">
+            <a:extLst>
+              <a:ext uri="{FF2B5EF4-FFF2-40B4-BE49-F238E27FC236}">
+                <a16:creationId xmlns:a16="http://schemas.microsoft.com/office/drawing/2014/main" id="{8BBEFC1F-5424-4DB0-B9E8-67A68FF13AB6}"/>
+              </a:ext>
+            </a:extLst>
+          </p:cNvPr>
+          <p:cNvSpPr txBox="1"/>
+          <p:nvPr/>
+        </p:nvSpPr>
+        <p:spPr>
+          <a:xfrm>
+            <a:off x="4495803" y="4101584"/>
+            <a:ext cx="106673" cy="369332"/>
+          </a:xfrm>
+          <a:prstGeom prst="rect">
+            <a:avLst/>
+          </a:prstGeom>
+          <a:noFill/>
+        </p:spPr>
+        <p:txBody>
+          <a:bodyPr wrap="square" rtlCol="0">
+            <a:spAutoFit/>
+          </a:bodyPr>
+          <a:lstStyle/>
+          <a:p>
+            <a:r>
+              <a:rPr lang="en-US" dirty="0"/>
+              <a:t>A</a:t>
+            </a:r>
+          </a:p>
+        </p:txBody>
+      </p:sp>
+      <p:sp>
+        <p:nvSpPr>
+          <p:cNvPr id="23" name="TextBox 22">
+            <a:extLst>
+              <a:ext uri="{FF2B5EF4-FFF2-40B4-BE49-F238E27FC236}">
+                <a16:creationId xmlns:a16="http://schemas.microsoft.com/office/drawing/2014/main" id="{E9B6A497-2B2F-4570-AC8D-F0A5FA303C06}"/>
+              </a:ext>
+            </a:extLst>
+          </p:cNvPr>
+          <p:cNvSpPr txBox="1"/>
+          <p:nvPr/>
+        </p:nvSpPr>
+        <p:spPr>
+          <a:xfrm>
+            <a:off x="5147314" y="4101584"/>
+            <a:ext cx="106673" cy="369332"/>
+          </a:xfrm>
+          <a:prstGeom prst="rect">
+            <a:avLst/>
+          </a:prstGeom>
+          <a:noFill/>
+        </p:spPr>
+        <p:txBody>
+          <a:bodyPr wrap="square" rtlCol="0">
+            <a:spAutoFit/>
+          </a:bodyPr>
+          <a:lstStyle/>
+          <a:p>
+            <a:r>
+              <a:rPr lang="en-US" dirty="0"/>
+              <a:t>B</a:t>
+            </a:r>
+          </a:p>
+        </p:txBody>
+      </p:sp>
+      <p:sp>
+        <p:nvSpPr>
+          <p:cNvPr id="24" name="TextBox 23">
+            <a:extLst>
+              <a:ext uri="{FF2B5EF4-FFF2-40B4-BE49-F238E27FC236}">
+                <a16:creationId xmlns:a16="http://schemas.microsoft.com/office/drawing/2014/main" id="{C676D0C5-7ED8-41CA-A325-33F5763EEE46}"/>
+              </a:ext>
+            </a:extLst>
+          </p:cNvPr>
+          <p:cNvSpPr txBox="1"/>
+          <p:nvPr/>
+        </p:nvSpPr>
+        <p:spPr>
+          <a:xfrm>
+            <a:off x="5074917" y="5571054"/>
+            <a:ext cx="502125" cy="369332"/>
+          </a:xfrm>
+          <a:prstGeom prst="rect">
+            <a:avLst/>
+          </a:prstGeom>
+          <a:noFill/>
+        </p:spPr>
+        <p:txBody>
+          <a:bodyPr wrap="none" rtlCol="0">
+            <a:spAutoFit/>
+          </a:bodyPr>
+          <a:lstStyle/>
+          <a:p>
+            <a:r>
+              <a:rPr lang="en-US" dirty="0"/>
+              <a:t>A,B</a:t>
+            </a:r>
+          </a:p>
+        </p:txBody>
+      </p:sp>
+      <p:sp>
+        <p:nvSpPr>
+          <p:cNvPr id="25" name="Rectangle 24">
+            <a:extLst>
+              <a:ext uri="{FF2B5EF4-FFF2-40B4-BE49-F238E27FC236}">
+                <a16:creationId xmlns:a16="http://schemas.microsoft.com/office/drawing/2014/main" id="{F7B58A6C-DE5A-459F-BD19-0C035F1B8F58}"/>
+              </a:ext>
+            </a:extLst>
+          </p:cNvPr>
+          <p:cNvSpPr/>
+          <p:nvPr/>
+        </p:nvSpPr>
+        <p:spPr>
+          <a:xfrm>
+            <a:off x="7536180" y="4625340"/>
+            <a:ext cx="1668780" cy="807720"/>
+          </a:xfrm>
+          <a:prstGeom prst="rect">
+            <a:avLst/>
+          </a:prstGeom>
+        </p:spPr>
+        <p:style>
+          <a:lnRef idx="2">
+            <a:schemeClr val="accent1">
+              <a:shade val="50000"/>
+            </a:schemeClr>
+          </a:lnRef>
+          <a:fillRef idx="1">
+            <a:schemeClr val="accent1"/>
+          </a:fillRef>
+          <a:effectRef idx="0">
+            <a:schemeClr val="accent1"/>
+          </a:effectRef>
+          <a:fontRef idx="minor">
+            <a:schemeClr val="lt1"/>
+          </a:fontRef>
+        </p:style>
+        <p:txBody>
+          <a:bodyPr rtlCol="0" anchor="ctr"/>
+          <a:lstStyle/>
+          <a:p>
+            <a:pPr algn="ctr"/>
+            <a:r>
+              <a:rPr lang="en-US" dirty="0" err="1"/>
+              <a:t>BatchedJoin</a:t>
+            </a:r>
+            <a:endParaRPr lang="en-US" dirty="0"/>
+          </a:p>
+        </p:txBody>
+      </p:sp>
+      <p:cxnSp>
+        <p:nvCxnSpPr>
+          <p:cNvPr id="26" name="Straight Arrow Connector 25">
+            <a:extLst>
+              <a:ext uri="{FF2B5EF4-FFF2-40B4-BE49-F238E27FC236}">
+                <a16:creationId xmlns:a16="http://schemas.microsoft.com/office/drawing/2014/main" id="{BF082CF7-0E33-4408-BA07-67FF34684F79}"/>
+              </a:ext>
+            </a:extLst>
+          </p:cNvPr>
+          <p:cNvCxnSpPr/>
+          <p:nvPr/>
+        </p:nvCxnSpPr>
+        <p:spPr>
+          <a:xfrm>
+            <a:off x="8008620" y="3947160"/>
+            <a:ext cx="0" cy="678180"/>
+          </a:xfrm>
+          <a:prstGeom prst="straightConnector1">
+            <a:avLst/>
+          </a:prstGeom>
+          <a:ln>
+            <a:tailEnd type="triangle"/>
+          </a:ln>
+        </p:spPr>
+        <p:style>
+          <a:lnRef idx="1">
+            <a:schemeClr val="accent1"/>
+          </a:lnRef>
+          <a:fillRef idx="0">
+            <a:schemeClr val="accent1"/>
+          </a:fillRef>
+          <a:effectRef idx="0">
+            <a:schemeClr val="accent1"/>
+          </a:effectRef>
+          <a:fontRef idx="minor">
+            <a:schemeClr val="tx1"/>
+          </a:fontRef>
+        </p:style>
+      </p:cxnSp>
+      <p:cxnSp>
+        <p:nvCxnSpPr>
+          <p:cNvPr id="27" name="Straight Arrow Connector 26">
+            <a:extLst>
+              <a:ext uri="{FF2B5EF4-FFF2-40B4-BE49-F238E27FC236}">
+                <a16:creationId xmlns:a16="http://schemas.microsoft.com/office/drawing/2014/main" id="{262FE120-DA91-4868-9025-CFB9E9E83701}"/>
+              </a:ext>
+            </a:extLst>
+          </p:cNvPr>
+          <p:cNvCxnSpPr/>
+          <p:nvPr/>
+        </p:nvCxnSpPr>
+        <p:spPr>
+          <a:xfrm>
+            <a:off x="8686800" y="3947160"/>
+            <a:ext cx="0" cy="678180"/>
+          </a:xfrm>
+          <a:prstGeom prst="straightConnector1">
+            <a:avLst/>
+          </a:prstGeom>
+          <a:ln>
+            <a:tailEnd type="triangle"/>
+          </a:ln>
+        </p:spPr>
+        <p:style>
+          <a:lnRef idx="1">
+            <a:schemeClr val="accent1"/>
+          </a:lnRef>
+          <a:fillRef idx="0">
+            <a:schemeClr val="accent1"/>
+          </a:fillRef>
+          <a:effectRef idx="0">
+            <a:schemeClr val="accent1"/>
+          </a:effectRef>
+          <a:fontRef idx="minor">
+            <a:schemeClr val="tx1"/>
+          </a:fontRef>
+        </p:style>
+      </p:cxnSp>
+      <p:cxnSp>
+        <p:nvCxnSpPr>
+          <p:cNvPr id="28" name="Straight Arrow Connector 27">
+            <a:extLst>
+              <a:ext uri="{FF2B5EF4-FFF2-40B4-BE49-F238E27FC236}">
+                <a16:creationId xmlns:a16="http://schemas.microsoft.com/office/drawing/2014/main" id="{228D36B8-2B05-4803-9321-452883130F8F}"/>
+              </a:ext>
+            </a:extLst>
+          </p:cNvPr>
+          <p:cNvCxnSpPr>
+            <a:stCxn id="25" idx="2"/>
+          </p:cNvCxnSpPr>
+          <p:nvPr/>
+        </p:nvCxnSpPr>
+        <p:spPr>
+          <a:xfrm flipH="1">
+            <a:off x="8359140" y="5433060"/>
+            <a:ext cx="11430" cy="640080"/>
+          </a:xfrm>
+          <a:prstGeom prst="straightConnector1">
+            <a:avLst/>
+          </a:prstGeom>
+          <a:ln w="76200">
+            <a:tailEnd type="triangle"/>
+          </a:ln>
+        </p:spPr>
+        <p:style>
+          <a:lnRef idx="1">
+            <a:schemeClr val="accent6"/>
+          </a:lnRef>
+          <a:fillRef idx="0">
+            <a:schemeClr val="accent6"/>
+          </a:fillRef>
+          <a:effectRef idx="0">
+            <a:schemeClr val="accent6"/>
+          </a:effectRef>
+          <a:fontRef idx="minor">
+            <a:schemeClr val="tx1"/>
+          </a:fontRef>
+        </p:style>
+      </p:cxnSp>
+      <p:sp>
+        <p:nvSpPr>
+          <p:cNvPr id="29" name="TextBox 28">
+            <a:extLst>
+              <a:ext uri="{FF2B5EF4-FFF2-40B4-BE49-F238E27FC236}">
+                <a16:creationId xmlns:a16="http://schemas.microsoft.com/office/drawing/2014/main" id="{3D06716B-C47A-4D6C-91DF-9C32719DF077}"/>
+              </a:ext>
+            </a:extLst>
+          </p:cNvPr>
+          <p:cNvSpPr txBox="1"/>
+          <p:nvPr/>
+        </p:nvSpPr>
+        <p:spPr>
+          <a:xfrm>
+            <a:off x="7795263" y="4101584"/>
+            <a:ext cx="106673" cy="369332"/>
+          </a:xfrm>
+          <a:prstGeom prst="rect">
+            <a:avLst/>
+          </a:prstGeom>
+          <a:noFill/>
+        </p:spPr>
+        <p:txBody>
+          <a:bodyPr wrap="square" rtlCol="0">
+            <a:spAutoFit/>
+          </a:bodyPr>
+          <a:lstStyle/>
+          <a:p>
+            <a:r>
+              <a:rPr lang="en-US" dirty="0"/>
+              <a:t>A</a:t>
+            </a:r>
+          </a:p>
+        </p:txBody>
+      </p:sp>
+      <p:sp>
+        <p:nvSpPr>
+          <p:cNvPr id="30" name="TextBox 29">
+            <a:extLst>
+              <a:ext uri="{FF2B5EF4-FFF2-40B4-BE49-F238E27FC236}">
+                <a16:creationId xmlns:a16="http://schemas.microsoft.com/office/drawing/2014/main" id="{547BFDDC-6827-44D3-9CEF-3212F444DA60}"/>
+              </a:ext>
+            </a:extLst>
+          </p:cNvPr>
+          <p:cNvSpPr txBox="1"/>
+          <p:nvPr/>
+        </p:nvSpPr>
+        <p:spPr>
+          <a:xfrm>
+            <a:off x="8446774" y="4101584"/>
+            <a:ext cx="106673" cy="369332"/>
+          </a:xfrm>
+          <a:prstGeom prst="rect">
+            <a:avLst/>
+          </a:prstGeom>
+          <a:noFill/>
+        </p:spPr>
+        <p:txBody>
+          <a:bodyPr wrap="square" rtlCol="0">
+            <a:spAutoFit/>
+          </a:bodyPr>
+          <a:lstStyle/>
+          <a:p>
+            <a:r>
+              <a:rPr lang="en-US" dirty="0"/>
+              <a:t>B</a:t>
+            </a:r>
+          </a:p>
+        </p:txBody>
+      </p:sp>
+      <p:sp>
+        <p:nvSpPr>
+          <p:cNvPr id="31" name="TextBox 30">
+            <a:extLst>
+              <a:ext uri="{FF2B5EF4-FFF2-40B4-BE49-F238E27FC236}">
+                <a16:creationId xmlns:a16="http://schemas.microsoft.com/office/drawing/2014/main" id="{EB3E6BC0-CBEF-46B1-A347-BABB4AE5216C}"/>
+              </a:ext>
+            </a:extLst>
+          </p:cNvPr>
+          <p:cNvSpPr txBox="1"/>
+          <p:nvPr/>
+        </p:nvSpPr>
+        <p:spPr>
+          <a:xfrm>
+            <a:off x="8359137" y="5502474"/>
+            <a:ext cx="782587" cy="369332"/>
+          </a:xfrm>
+          <a:prstGeom prst="rect">
+            <a:avLst/>
+          </a:prstGeom>
+          <a:noFill/>
+        </p:spPr>
+        <p:txBody>
+          <a:bodyPr wrap="none" rtlCol="0">
+            <a:spAutoFit/>
+          </a:bodyPr>
+          <a:lstStyle/>
+          <a:p>
+            <a:r>
+              <a:rPr lang="en-US" dirty="0"/>
+              <a:t>A[],B[]</a:t>
+            </a:r>
+          </a:p>
+        </p:txBody>
+      </p:sp>
+      <p:cxnSp>
+        <p:nvCxnSpPr>
+          <p:cNvPr id="33" name="Straight Arrow Connector 32">
+            <a:extLst>
+              <a:ext uri="{FF2B5EF4-FFF2-40B4-BE49-F238E27FC236}">
+                <a16:creationId xmlns:a16="http://schemas.microsoft.com/office/drawing/2014/main" id="{05CA1DA3-88C3-4E29-ABBA-530C0A410592}"/>
+              </a:ext>
+            </a:extLst>
+          </p:cNvPr>
+          <p:cNvCxnSpPr/>
+          <p:nvPr/>
+        </p:nvCxnSpPr>
+        <p:spPr>
+          <a:xfrm>
+            <a:off x="8084820" y="3966647"/>
+            <a:ext cx="0" cy="639206"/>
+          </a:xfrm>
+          <a:prstGeom prst="straightConnector1">
+            <a:avLst/>
+          </a:prstGeom>
+          <a:ln>
+            <a:tailEnd type="triangle"/>
+          </a:ln>
+        </p:spPr>
+        <p:style>
+          <a:lnRef idx="1">
+            <a:schemeClr val="accent1"/>
+          </a:lnRef>
+          <a:fillRef idx="0">
+            <a:schemeClr val="accent1"/>
+          </a:fillRef>
+          <a:effectRef idx="0">
+            <a:schemeClr val="accent1"/>
+          </a:effectRef>
+          <a:fontRef idx="minor">
+            <a:schemeClr val="tx1"/>
+          </a:fontRef>
+        </p:style>
+      </p:cxnSp>
+      <p:cxnSp>
+        <p:nvCxnSpPr>
+          <p:cNvPr id="35" name="Straight Arrow Connector 34">
+            <a:extLst>
+              <a:ext uri="{FF2B5EF4-FFF2-40B4-BE49-F238E27FC236}">
+                <a16:creationId xmlns:a16="http://schemas.microsoft.com/office/drawing/2014/main" id="{19F3834C-A981-4132-B3A0-D032AACAC1CF}"/>
+              </a:ext>
+            </a:extLst>
+          </p:cNvPr>
+          <p:cNvCxnSpPr/>
+          <p:nvPr/>
+        </p:nvCxnSpPr>
+        <p:spPr>
+          <a:xfrm>
+            <a:off x="8176260" y="3947160"/>
+            <a:ext cx="0" cy="678180"/>
+          </a:xfrm>
+          <a:prstGeom prst="straightConnector1">
+            <a:avLst/>
+          </a:prstGeom>
+          <a:ln>
+            <a:tailEnd type="triangle"/>
+          </a:ln>
+        </p:spPr>
+        <p:style>
+          <a:lnRef idx="1">
+            <a:schemeClr val="accent1"/>
+          </a:lnRef>
+          <a:fillRef idx="0">
+            <a:schemeClr val="accent1"/>
+          </a:fillRef>
+          <a:effectRef idx="0">
+            <a:schemeClr val="accent1"/>
+          </a:effectRef>
+          <a:fontRef idx="minor">
+            <a:schemeClr val="tx1"/>
+          </a:fontRef>
+        </p:style>
+      </p:cxnSp>
+      <p:cxnSp>
+        <p:nvCxnSpPr>
+          <p:cNvPr id="37" name="Straight Arrow Connector 36">
+            <a:extLst>
+              <a:ext uri="{FF2B5EF4-FFF2-40B4-BE49-F238E27FC236}">
+                <a16:creationId xmlns:a16="http://schemas.microsoft.com/office/drawing/2014/main" id="{5841A129-2DCA-4F45-A21B-C18DA1CD4B96}"/>
+              </a:ext>
+            </a:extLst>
+          </p:cNvPr>
+          <p:cNvCxnSpPr/>
+          <p:nvPr/>
+        </p:nvCxnSpPr>
+        <p:spPr>
+          <a:xfrm>
+            <a:off x="8763000" y="3947160"/>
+            <a:ext cx="0" cy="678180"/>
+          </a:xfrm>
+          <a:prstGeom prst="straightConnector1">
+            <a:avLst/>
+          </a:prstGeom>
+          <a:ln>
+            <a:tailEnd type="triangle"/>
+          </a:ln>
+        </p:spPr>
+        <p:style>
+          <a:lnRef idx="1">
+            <a:schemeClr val="accent1"/>
+          </a:lnRef>
+          <a:fillRef idx="0">
+            <a:schemeClr val="accent1"/>
+          </a:fillRef>
+          <a:effectRef idx="0">
+            <a:schemeClr val="accent1"/>
+          </a:effectRef>
+          <a:fontRef idx="minor">
+            <a:schemeClr val="tx1"/>
+          </a:fontRef>
+        </p:style>
+      </p:cxnSp>
+      <p:cxnSp>
+        <p:nvCxnSpPr>
+          <p:cNvPr id="39" name="Straight Arrow Connector 38">
+            <a:extLst>
+              <a:ext uri="{FF2B5EF4-FFF2-40B4-BE49-F238E27FC236}">
+                <a16:creationId xmlns:a16="http://schemas.microsoft.com/office/drawing/2014/main" id="{7B335BD6-600F-45C0-BE00-365830A9464D}"/>
+              </a:ext>
+            </a:extLst>
+          </p:cNvPr>
+          <p:cNvCxnSpPr/>
+          <p:nvPr/>
+        </p:nvCxnSpPr>
+        <p:spPr>
+          <a:xfrm>
+            <a:off x="8876502" y="3947160"/>
+            <a:ext cx="0" cy="678180"/>
+          </a:xfrm>
+          <a:prstGeom prst="straightConnector1">
+            <a:avLst/>
+          </a:prstGeom>
+          <a:ln>
+            <a:tailEnd type="triangle"/>
+          </a:ln>
+        </p:spPr>
+        <p:style>
+          <a:lnRef idx="1">
+            <a:schemeClr val="accent1"/>
+          </a:lnRef>
+          <a:fillRef idx="0">
+            <a:schemeClr val="accent1"/>
+          </a:fillRef>
+          <a:effectRef idx="0">
+            <a:schemeClr val="accent1"/>
+          </a:effectRef>
+          <a:fontRef idx="minor">
+            <a:schemeClr val="tx1"/>
+          </a:fontRef>
+        </p:style>
+      </p:cxnSp>
+      <p:sp>
+        <p:nvSpPr>
+          <p:cNvPr id="40" name="TextBox 39">
+            <a:extLst>
+              <a:ext uri="{FF2B5EF4-FFF2-40B4-BE49-F238E27FC236}">
+                <a16:creationId xmlns:a16="http://schemas.microsoft.com/office/drawing/2014/main" id="{6F0EC66C-6758-4A27-83EE-082658768D78}"/>
+              </a:ext>
+            </a:extLst>
+          </p:cNvPr>
+          <p:cNvSpPr txBox="1"/>
+          <p:nvPr/>
+        </p:nvSpPr>
+        <p:spPr>
+          <a:xfrm>
+            <a:off x="1150624" y="4101584"/>
+            <a:ext cx="106673" cy="369332"/>
+          </a:xfrm>
+          <a:prstGeom prst="rect">
+            <a:avLst/>
+          </a:prstGeom>
+          <a:noFill/>
+        </p:spPr>
+        <p:txBody>
+          <a:bodyPr wrap="square" rtlCol="0">
+            <a:spAutoFit/>
+          </a:bodyPr>
+          <a:lstStyle/>
+          <a:p>
+            <a:r>
+              <a:rPr lang="en-US" dirty="0"/>
+              <a:t>A</a:t>
+            </a:r>
+          </a:p>
+        </p:txBody>
+      </p:sp>
+      <p:sp>
+        <p:nvSpPr>
+          <p:cNvPr id="41" name="TextBox 40">
+            <a:extLst>
+              <a:ext uri="{FF2B5EF4-FFF2-40B4-BE49-F238E27FC236}">
+                <a16:creationId xmlns:a16="http://schemas.microsoft.com/office/drawing/2014/main" id="{E6780A10-5629-4DE1-B050-6C47F9C0EC47}"/>
+              </a:ext>
+            </a:extLst>
+          </p:cNvPr>
+          <p:cNvSpPr txBox="1"/>
+          <p:nvPr/>
+        </p:nvSpPr>
+        <p:spPr>
+          <a:xfrm>
+            <a:off x="1541150" y="4101584"/>
+            <a:ext cx="106673" cy="369332"/>
+          </a:xfrm>
+          <a:prstGeom prst="rect">
+            <a:avLst/>
+          </a:prstGeom>
+          <a:noFill/>
+        </p:spPr>
+        <p:txBody>
+          <a:bodyPr wrap="square" rtlCol="0">
+            <a:spAutoFit/>
+          </a:bodyPr>
+          <a:lstStyle/>
+          <a:p>
+            <a:r>
+              <a:rPr lang="en-US" dirty="0"/>
+              <a:t>A</a:t>
+            </a:r>
+          </a:p>
+        </p:txBody>
+      </p:sp>
+      <p:sp>
+        <p:nvSpPr>
+          <p:cNvPr id="42" name="TextBox 41">
+            <a:extLst>
+              <a:ext uri="{FF2B5EF4-FFF2-40B4-BE49-F238E27FC236}">
+                <a16:creationId xmlns:a16="http://schemas.microsoft.com/office/drawing/2014/main" id="{565444BB-2AB5-4351-BB3E-F98618B3FC9D}"/>
+              </a:ext>
+            </a:extLst>
+          </p:cNvPr>
+          <p:cNvSpPr txBox="1"/>
+          <p:nvPr/>
+        </p:nvSpPr>
+        <p:spPr>
+          <a:xfrm>
+            <a:off x="1958343" y="4101584"/>
+            <a:ext cx="106673" cy="369332"/>
+          </a:xfrm>
+          <a:prstGeom prst="rect">
+            <a:avLst/>
+          </a:prstGeom>
+          <a:noFill/>
+        </p:spPr>
+        <p:txBody>
+          <a:bodyPr wrap="square" rtlCol="0">
+            <a:spAutoFit/>
+          </a:bodyPr>
+          <a:lstStyle/>
+          <a:p>
+            <a:r>
+              <a:rPr lang="en-US" dirty="0"/>
+              <a:t>A</a:t>
+            </a:r>
+          </a:p>
+        </p:txBody>
+      </p:sp>
+      <p:sp>
+        <p:nvSpPr>
+          <p:cNvPr id="43" name="TextBox 42">
+            <a:extLst>
+              <a:ext uri="{FF2B5EF4-FFF2-40B4-BE49-F238E27FC236}">
+                <a16:creationId xmlns:a16="http://schemas.microsoft.com/office/drawing/2014/main" id="{22D27B11-28DF-4E09-9D50-7EEFB728C9EE}"/>
+              </a:ext>
+            </a:extLst>
+          </p:cNvPr>
+          <p:cNvSpPr txBox="1"/>
+          <p:nvPr/>
+        </p:nvSpPr>
+        <p:spPr>
+          <a:xfrm>
+            <a:off x="2354587" y="4081602"/>
+            <a:ext cx="106673" cy="369332"/>
+          </a:xfrm>
+          <a:prstGeom prst="rect">
+            <a:avLst/>
+          </a:prstGeom>
+          <a:noFill/>
+        </p:spPr>
+        <p:txBody>
+          <a:bodyPr wrap="square" rtlCol="0">
+            <a:spAutoFit/>
+          </a:bodyPr>
+          <a:lstStyle/>
+          <a:p>
+            <a:r>
+              <a:rPr lang="en-US" dirty="0"/>
+              <a:t>A</a:t>
+            </a:r>
+          </a:p>
+        </p:txBody>
+      </p:sp>
+      <p:sp>
+        <p:nvSpPr>
+          <p:cNvPr id="44" name="TextBox 43">
+            <a:extLst>
+              <a:ext uri="{FF2B5EF4-FFF2-40B4-BE49-F238E27FC236}">
+                <a16:creationId xmlns:a16="http://schemas.microsoft.com/office/drawing/2014/main" id="{02AFF53E-9CC1-4C07-9B0A-55DFDD44BD55}"/>
+              </a:ext>
+            </a:extLst>
+          </p:cNvPr>
+          <p:cNvSpPr txBox="1"/>
+          <p:nvPr/>
+        </p:nvSpPr>
+        <p:spPr>
+          <a:xfrm>
+            <a:off x="1958343" y="5559008"/>
+            <a:ext cx="472437" cy="369332"/>
+          </a:xfrm>
+          <a:prstGeom prst="rect">
+            <a:avLst/>
+          </a:prstGeom>
+          <a:noFill/>
+        </p:spPr>
+        <p:txBody>
+          <a:bodyPr wrap="square" rtlCol="0">
+            <a:spAutoFit/>
+          </a:bodyPr>
+          <a:lstStyle/>
+          <a:p>
+            <a:r>
+              <a:rPr lang="en-US" dirty="0"/>
+              <a:t>A[]</a:t>
+            </a:r>
+          </a:p>
+        </p:txBody>
+      </p:sp>
+    </p:spTree>
+    <p:extLst>
+      <p:ext uri="{BB962C8B-B14F-4D97-AF65-F5344CB8AC3E}">
+        <p14:creationId xmlns:p14="http://schemas.microsoft.com/office/powerpoint/2010/main" val="1696907143"/>
+      </p:ext>
+    </p:extLst>
+  </p:cSld>
+  <p:clrMapOvr>
+    <a:masterClrMapping/>
+  </p:clrMapOvr>
+</p:sld>
+</file>
+
+<file path=ppt/slides/slide9.xml><?xml version="1.0" encoding="utf-8"?>
+<p:sld xmlns:a="http://schemas.openxmlformats.org/drawingml/2006/main" xmlns:r="http://schemas.openxmlformats.org/officeDocument/2006/relationships" xmlns:p="http://schemas.openxmlformats.org/presentationml/2006/main">
+  <p:cSld>
+    <p:spTree>
+      <p:nvGrpSpPr>
+        <p:cNvPr id="1" name=""/>
+        <p:cNvGrpSpPr/>
+        <p:nvPr/>
+      </p:nvGrpSpPr>
+      <p:grpSpPr>
+        <a:xfrm>
+          <a:off x="0" y="0"/>
+          <a:ext cx="0" cy="0"/>
+          <a:chOff x="0" y="0"/>
+          <a:chExt cx="0" cy="0"/>
+        </a:xfrm>
+      </p:grpSpPr>
+      <p:sp>
+        <p:nvSpPr>
+          <p:cNvPr id="2" name="Title 1">
+            <a:extLst>
+              <a:ext uri="{FF2B5EF4-FFF2-40B4-BE49-F238E27FC236}">
+                <a16:creationId xmlns:a16="http://schemas.microsoft.com/office/drawing/2014/main" id="{1B863620-B237-4519-9959-811983205A95}"/>
+              </a:ext>
+            </a:extLst>
+          </p:cNvPr>
+          <p:cNvSpPr>
+            <a:spLocks noGrp="1"/>
+          </p:cNvSpPr>
+          <p:nvPr>
+            <p:ph type="title"/>
+          </p:nvPr>
+        </p:nvSpPr>
+        <p:spPr/>
+        <p:txBody>
+          <a:bodyPr/>
+          <a:lstStyle/>
+          <a:p>
+            <a:r>
+              <a:rPr lang="en-US" dirty="0"/>
+              <a:t>Linking and filtering</a:t>
+            </a:r>
+          </a:p>
+        </p:txBody>
+      </p:sp>
+      <p:sp>
+        <p:nvSpPr>
+          <p:cNvPr id="3" name="Content Placeholder 2">
+            <a:extLst>
+              <a:ext uri="{FF2B5EF4-FFF2-40B4-BE49-F238E27FC236}">
+                <a16:creationId xmlns:a16="http://schemas.microsoft.com/office/drawing/2014/main" id="{84AA6108-7FCA-4A06-92EE-4F66CA5D0BBA}"/>
+              </a:ext>
+            </a:extLst>
+          </p:cNvPr>
+          <p:cNvSpPr>
+            <a:spLocks noGrp="1"/>
+          </p:cNvSpPr>
+          <p:nvPr>
+            <p:ph idx="1"/>
+          </p:nvPr>
+        </p:nvSpPr>
+        <p:spPr/>
+        <p:txBody>
+          <a:bodyPr/>
+          <a:lstStyle/>
+          <a:p>
+            <a:endParaRPr lang="en-US" dirty="0"/>
+          </a:p>
+        </p:txBody>
+      </p:sp>
+      <p:sp>
+        <p:nvSpPr>
+          <p:cNvPr id="5" name="Rectangle 4">
+            <a:extLst>
+              <a:ext uri="{FF2B5EF4-FFF2-40B4-BE49-F238E27FC236}">
+                <a16:creationId xmlns:a16="http://schemas.microsoft.com/office/drawing/2014/main" id="{6C0B9BF4-8A8F-4E8A-A8A4-6B1C45A6FA63}"/>
+              </a:ext>
+            </a:extLst>
+          </p:cNvPr>
+          <p:cNvSpPr/>
+          <p:nvPr/>
+        </p:nvSpPr>
+        <p:spPr>
+          <a:xfrm>
+            <a:off x="1569720" y="3787140"/>
+            <a:ext cx="1158240" cy="640080"/>
+          </a:xfrm>
+          <a:prstGeom prst="rect">
+            <a:avLst/>
+          </a:prstGeom>
+        </p:spPr>
+        <p:style>
+          <a:lnRef idx="2">
+            <a:schemeClr val="accent1">
+              <a:shade val="50000"/>
+            </a:schemeClr>
+          </a:lnRef>
+          <a:fillRef idx="1">
+            <a:schemeClr val="accent1"/>
+          </a:fillRef>
+          <a:effectRef idx="0">
+            <a:schemeClr val="accent1"/>
+          </a:effectRef>
+          <a:fontRef idx="minor">
+            <a:schemeClr val="lt1"/>
+          </a:fontRef>
+        </p:style>
+        <p:txBody>
+          <a:bodyPr rtlCol="0" anchor="ctr"/>
+          <a:lstStyle/>
+          <a:p>
+            <a:pPr algn="ctr"/>
+            <a:r>
+              <a:rPr lang="en-US" dirty="0"/>
+              <a:t>Step1</a:t>
+            </a:r>
+          </a:p>
+        </p:txBody>
+      </p:sp>
+      <p:sp>
+        <p:nvSpPr>
+          <p:cNvPr id="6" name="Rectangle 5">
+            <a:extLst>
+              <a:ext uri="{FF2B5EF4-FFF2-40B4-BE49-F238E27FC236}">
+                <a16:creationId xmlns:a16="http://schemas.microsoft.com/office/drawing/2014/main" id="{0393180A-1AC9-4E9F-B8B7-4D211B7A5467}"/>
+              </a:ext>
+            </a:extLst>
+          </p:cNvPr>
+          <p:cNvSpPr/>
+          <p:nvPr/>
+        </p:nvSpPr>
+        <p:spPr>
+          <a:xfrm>
+            <a:off x="3459480" y="2903220"/>
+            <a:ext cx="1234440" cy="563880"/>
+          </a:xfrm>
+          <a:prstGeom prst="rect">
+            <a:avLst/>
+          </a:prstGeom>
+        </p:spPr>
+        <p:style>
+          <a:lnRef idx="2">
+            <a:schemeClr val="accent1">
+              <a:shade val="50000"/>
+            </a:schemeClr>
+          </a:lnRef>
+          <a:fillRef idx="1">
+            <a:schemeClr val="accent1"/>
+          </a:fillRef>
+          <a:effectRef idx="0">
+            <a:schemeClr val="accent1"/>
+          </a:effectRef>
+          <a:fontRef idx="minor">
+            <a:schemeClr val="lt1"/>
+          </a:fontRef>
+        </p:style>
+        <p:txBody>
+          <a:bodyPr rtlCol="0" anchor="ctr"/>
+          <a:lstStyle/>
+          <a:p>
+            <a:pPr algn="ctr"/>
+            <a:r>
+              <a:rPr lang="en-US" dirty="0"/>
+              <a:t>Step2</a:t>
+            </a:r>
+          </a:p>
+        </p:txBody>
+      </p:sp>
+      <p:sp>
+        <p:nvSpPr>
+          <p:cNvPr id="7" name="Rectangle 6">
+            <a:extLst>
+              <a:ext uri="{FF2B5EF4-FFF2-40B4-BE49-F238E27FC236}">
+                <a16:creationId xmlns:a16="http://schemas.microsoft.com/office/drawing/2014/main" id="{4663107F-8AD3-4C10-AB74-6F7A5B9CE77B}"/>
+              </a:ext>
+            </a:extLst>
+          </p:cNvPr>
+          <p:cNvSpPr/>
+          <p:nvPr/>
+        </p:nvSpPr>
+        <p:spPr>
+          <a:xfrm>
+            <a:off x="3459480" y="3810000"/>
+            <a:ext cx="1234440" cy="563880"/>
+          </a:xfrm>
+          <a:prstGeom prst="rect">
+            <a:avLst/>
+          </a:prstGeom>
+        </p:spPr>
+        <p:style>
+          <a:lnRef idx="2">
+            <a:schemeClr val="accent1">
+              <a:shade val="50000"/>
+            </a:schemeClr>
+          </a:lnRef>
+          <a:fillRef idx="1">
+            <a:schemeClr val="accent1"/>
+          </a:fillRef>
+          <a:effectRef idx="0">
+            <a:schemeClr val="accent1"/>
+          </a:effectRef>
+          <a:fontRef idx="minor">
+            <a:schemeClr val="lt1"/>
+          </a:fontRef>
+        </p:style>
+        <p:txBody>
+          <a:bodyPr rtlCol="0" anchor="ctr"/>
+          <a:lstStyle/>
+          <a:p>
+            <a:pPr algn="ctr"/>
+            <a:r>
+              <a:rPr lang="en-US" dirty="0"/>
+              <a:t>Step2</a:t>
+            </a:r>
+          </a:p>
+        </p:txBody>
+      </p:sp>
+      <p:sp>
+        <p:nvSpPr>
+          <p:cNvPr id="8" name="Rectangle 7">
+            <a:extLst>
+              <a:ext uri="{FF2B5EF4-FFF2-40B4-BE49-F238E27FC236}">
+                <a16:creationId xmlns:a16="http://schemas.microsoft.com/office/drawing/2014/main" id="{3C81EA17-00DC-4A6E-9868-26EAF5B1723E}"/>
+              </a:ext>
+            </a:extLst>
+          </p:cNvPr>
+          <p:cNvSpPr/>
+          <p:nvPr/>
+        </p:nvSpPr>
+        <p:spPr>
+          <a:xfrm>
+            <a:off x="3459480" y="4701541"/>
+            <a:ext cx="1234440" cy="563880"/>
+          </a:xfrm>
+          <a:prstGeom prst="rect">
+            <a:avLst/>
+          </a:prstGeom>
+        </p:spPr>
+        <p:style>
+          <a:lnRef idx="2">
+            <a:schemeClr val="accent1">
+              <a:shade val="50000"/>
+            </a:schemeClr>
+          </a:lnRef>
+          <a:fillRef idx="1">
+            <a:schemeClr val="accent1"/>
+          </a:fillRef>
+          <a:effectRef idx="0">
+            <a:schemeClr val="accent1"/>
+          </a:effectRef>
+          <a:fontRef idx="minor">
+            <a:schemeClr val="lt1"/>
+          </a:fontRef>
+        </p:style>
+        <p:txBody>
+          <a:bodyPr rtlCol="0" anchor="ctr"/>
+          <a:lstStyle/>
+          <a:p>
+            <a:pPr algn="ctr"/>
+            <a:r>
+              <a:rPr lang="en-US" dirty="0"/>
+              <a:t>Step2</a:t>
+            </a:r>
+          </a:p>
+        </p:txBody>
+      </p:sp>
+      <p:sp>
+        <p:nvSpPr>
+          <p:cNvPr id="9" name="Rectangle 8">
+            <a:extLst>
+              <a:ext uri="{FF2B5EF4-FFF2-40B4-BE49-F238E27FC236}">
+                <a16:creationId xmlns:a16="http://schemas.microsoft.com/office/drawing/2014/main" id="{4E701B6F-DAB5-4201-A47E-F6F7BE5D4EAE}"/>
+              </a:ext>
+            </a:extLst>
+          </p:cNvPr>
+          <p:cNvSpPr/>
+          <p:nvPr/>
+        </p:nvSpPr>
+        <p:spPr>
+          <a:xfrm>
+            <a:off x="6103620" y="3787140"/>
+            <a:ext cx="1158240" cy="640080"/>
+          </a:xfrm>
+          <a:prstGeom prst="rect">
+            <a:avLst/>
+          </a:prstGeom>
+        </p:spPr>
+        <p:style>
+          <a:lnRef idx="2">
+            <a:schemeClr val="accent1">
+              <a:shade val="50000"/>
+            </a:schemeClr>
+          </a:lnRef>
+          <a:fillRef idx="1">
+            <a:schemeClr val="accent1"/>
+          </a:fillRef>
+          <a:effectRef idx="0">
+            <a:schemeClr val="accent1"/>
+          </a:effectRef>
+          <a:fontRef idx="minor">
+            <a:schemeClr val="lt1"/>
+          </a:fontRef>
+        </p:style>
+        <p:txBody>
+          <a:bodyPr rtlCol="0" anchor="ctr"/>
+          <a:lstStyle/>
+          <a:p>
+            <a:pPr algn="ctr"/>
+            <a:r>
+              <a:rPr lang="en-US" dirty="0"/>
+              <a:t>Step3</a:t>
+            </a:r>
+          </a:p>
+        </p:txBody>
+      </p:sp>
+      <p:sp>
+        <p:nvSpPr>
+          <p:cNvPr id="10" name="Rectangle 9">
+            <a:extLst>
+              <a:ext uri="{FF2B5EF4-FFF2-40B4-BE49-F238E27FC236}">
+                <a16:creationId xmlns:a16="http://schemas.microsoft.com/office/drawing/2014/main" id="{C555CA3B-72B3-4C94-A414-4971EE6E6A8D}"/>
+              </a:ext>
+            </a:extLst>
+          </p:cNvPr>
+          <p:cNvSpPr/>
+          <p:nvPr/>
+        </p:nvSpPr>
+        <p:spPr>
+          <a:xfrm>
+            <a:off x="7825740" y="3012123"/>
+            <a:ext cx="1158240" cy="640080"/>
+          </a:xfrm>
+          <a:prstGeom prst="rect">
+            <a:avLst/>
+          </a:prstGeom>
+        </p:spPr>
+        <p:style>
+          <a:lnRef idx="2">
+            <a:schemeClr val="accent1">
+              <a:shade val="50000"/>
+            </a:schemeClr>
+          </a:lnRef>
+          <a:fillRef idx="1">
+            <a:schemeClr val="accent1"/>
+          </a:fillRef>
+          <a:effectRef idx="0">
+            <a:schemeClr val="accent1"/>
+          </a:effectRef>
+          <a:fontRef idx="minor">
+            <a:schemeClr val="lt1"/>
+          </a:fontRef>
+        </p:style>
+        <p:txBody>
+          <a:bodyPr rtlCol="0" anchor="ctr"/>
+          <a:lstStyle/>
+          <a:p>
+            <a:pPr algn="ctr"/>
+            <a:r>
+              <a:rPr lang="en-US" dirty="0"/>
+              <a:t>Step4-A</a:t>
+            </a:r>
+          </a:p>
+        </p:txBody>
+      </p:sp>
+      <p:sp>
+        <p:nvSpPr>
+          <p:cNvPr id="11" name="Rectangle 10">
+            <a:extLst>
+              <a:ext uri="{FF2B5EF4-FFF2-40B4-BE49-F238E27FC236}">
+                <a16:creationId xmlns:a16="http://schemas.microsoft.com/office/drawing/2014/main" id="{B68CC75B-EDF2-4036-B9BE-9FF8ADAFD513}"/>
+              </a:ext>
+            </a:extLst>
+          </p:cNvPr>
+          <p:cNvSpPr/>
+          <p:nvPr/>
+        </p:nvSpPr>
+        <p:spPr>
+          <a:xfrm>
+            <a:off x="7810500" y="4533900"/>
+            <a:ext cx="1234440" cy="632460"/>
+          </a:xfrm>
+          <a:prstGeom prst="rect">
+            <a:avLst/>
+          </a:prstGeom>
+        </p:spPr>
+        <p:style>
+          <a:lnRef idx="2">
+            <a:schemeClr val="accent1">
+              <a:shade val="50000"/>
+            </a:schemeClr>
+          </a:lnRef>
+          <a:fillRef idx="1">
+            <a:schemeClr val="accent1"/>
+          </a:fillRef>
+          <a:effectRef idx="0">
+            <a:schemeClr val="accent1"/>
+          </a:effectRef>
+          <a:fontRef idx="minor">
+            <a:schemeClr val="lt1"/>
+          </a:fontRef>
+        </p:style>
+        <p:txBody>
+          <a:bodyPr rtlCol="0" anchor="ctr"/>
+          <a:lstStyle/>
+          <a:p>
+            <a:pPr algn="ctr"/>
+            <a:r>
+              <a:rPr lang="en-US" dirty="0"/>
+              <a:t>Step4-B</a:t>
+            </a:r>
+          </a:p>
+        </p:txBody>
+      </p:sp>
+      <p:sp>
+        <p:nvSpPr>
+          <p:cNvPr id="12" name="Rectangle 11">
+            <a:extLst>
+              <a:ext uri="{FF2B5EF4-FFF2-40B4-BE49-F238E27FC236}">
+                <a16:creationId xmlns:a16="http://schemas.microsoft.com/office/drawing/2014/main" id="{AD5743C7-AEF0-4DE4-9319-B71E3717D839}"/>
+              </a:ext>
+            </a:extLst>
+          </p:cNvPr>
+          <p:cNvSpPr/>
+          <p:nvPr/>
+        </p:nvSpPr>
+        <p:spPr>
+          <a:xfrm>
+            <a:off x="9982200" y="3787140"/>
+            <a:ext cx="1158240" cy="640080"/>
+          </a:xfrm>
+          <a:prstGeom prst="rect">
+            <a:avLst/>
+          </a:prstGeom>
+        </p:spPr>
+        <p:style>
+          <a:lnRef idx="2">
+            <a:schemeClr val="accent1">
+              <a:shade val="50000"/>
+            </a:schemeClr>
+          </a:lnRef>
+          <a:fillRef idx="1">
+            <a:schemeClr val="accent1"/>
+          </a:fillRef>
+          <a:effectRef idx="0">
+            <a:schemeClr val="accent1"/>
+          </a:effectRef>
+          <a:fontRef idx="minor">
+            <a:schemeClr val="lt1"/>
+          </a:fontRef>
+        </p:style>
+        <p:txBody>
+          <a:bodyPr rtlCol="0" anchor="ctr"/>
+          <a:lstStyle/>
+          <a:p>
+            <a:pPr algn="ctr"/>
+            <a:r>
+              <a:rPr lang="en-US" dirty="0"/>
+              <a:t>Step5</a:t>
+            </a:r>
+          </a:p>
+        </p:txBody>
+      </p:sp>
+      <p:cxnSp>
+        <p:nvCxnSpPr>
+          <p:cNvPr id="14" name="Straight Arrow Connector 13">
+            <a:extLst>
+              <a:ext uri="{FF2B5EF4-FFF2-40B4-BE49-F238E27FC236}">
+                <a16:creationId xmlns:a16="http://schemas.microsoft.com/office/drawing/2014/main" id="{0E28D4DB-F89F-4BFE-8F41-74EAFE526215}"/>
+              </a:ext>
+            </a:extLst>
+          </p:cNvPr>
+          <p:cNvCxnSpPr>
+            <a:endCxn id="6" idx="1"/>
+          </p:cNvCxnSpPr>
+          <p:nvPr/>
+        </p:nvCxnSpPr>
+        <p:spPr>
+          <a:xfrm flipV="1">
+            <a:off x="2727960" y="3185160"/>
+            <a:ext cx="731520" cy="899160"/>
+          </a:xfrm>
+          <a:prstGeom prst="straightConnector1">
+            <a:avLst/>
+          </a:prstGeom>
+          <a:ln w="12700">
+            <a:tailEnd type="triangle"/>
+          </a:ln>
+        </p:spPr>
+        <p:style>
+          <a:lnRef idx="1">
+            <a:schemeClr val="accent1"/>
+          </a:lnRef>
+          <a:fillRef idx="0">
+            <a:schemeClr val="accent1"/>
+          </a:fillRef>
+          <a:effectRef idx="0">
+            <a:schemeClr val="accent1"/>
           </a:effectRef>
           <a:fontRef idx="minor">
             <a:schemeClr val="tx1"/>
@@ -4965,34 +8661,36 @@
           <p:cNvPr id="16" name="Straight Arrow Connector 15">
             <a:extLst>
               <a:ext uri="{FF2B5EF4-FFF2-40B4-BE49-F238E27FC236}">
-                <a16:creationId xmlns:a16="http://schemas.microsoft.com/office/drawing/2014/main" id="{169B9E94-17BB-458F-B22B-1D3B896A86C1}"/>
-              </a:ext>
-            </a:extLst>
-          </p:cNvPr>
-          <p:cNvCxnSpPr/>
+                <a16:creationId xmlns:a16="http://schemas.microsoft.com/office/drawing/2014/main" id="{8ED75644-7034-4ECE-BF4A-CDACDAC68494}"/>
+              </a:ext>
+            </a:extLst>
+          </p:cNvPr>
+          <p:cNvCxnSpPr>
+            <a:endCxn id="7" idx="1"/>
+          </p:cNvCxnSpPr>
           <p:nvPr/>
         </p:nvCxnSpPr>
         <p:spPr>
-          <a:xfrm flipV="1">
-            <a:off x="3391856" y="2850682"/>
-            <a:ext cx="503221" cy="1"/>
+          <a:xfrm>
+            <a:off x="2727960" y="4088131"/>
+            <a:ext cx="731520" cy="3809"/>
           </a:xfrm>
           <a:prstGeom prst="straightConnector1">
             <a:avLst/>
           </a:prstGeom>
-          <a:ln>
+          <a:ln w="12700">
             <a:tailEnd type="triangle"/>
           </a:ln>
         </p:spPr>
         <p:style>
-          <a:lnRef idx="3">
-            <a:schemeClr val="accent2"/>
+          <a:lnRef idx="1">
+            <a:schemeClr val="accent1"/>
           </a:lnRef>
           <a:fillRef idx="0">
-            <a:schemeClr val="accent2"/>
+            <a:schemeClr val="accent1"/>
           </a:fillRef>
-          <a:effectRef idx="2">
-            <a:schemeClr val="accent2"/>
+          <a:effectRef idx="0">
+            <a:schemeClr val="accent1"/>
           </a:effectRef>
           <a:fontRef idx="minor">
             <a:schemeClr val="tx1"/>
@@ -5001,80 +8699,40 @@
       </p:cxnSp>
       <p:cxnSp>
         <p:nvCxnSpPr>
-          <p:cNvPr id="17" name="Straight Arrow Connector 16">
-            <a:extLst>
-              <a:ext uri="{FF2B5EF4-FFF2-40B4-BE49-F238E27FC236}">
-                <a16:creationId xmlns:a16="http://schemas.microsoft.com/office/drawing/2014/main" id="{D7A5FF28-EEE3-42BA-97DA-A64F600E8976}"/>
+          <p:cNvPr id="18" name="Straight Arrow Connector 17">
+            <a:extLst>
+              <a:ext uri="{FF2B5EF4-FFF2-40B4-BE49-F238E27FC236}">
+                <a16:creationId xmlns:a16="http://schemas.microsoft.com/office/drawing/2014/main" id="{6358DA99-540B-4117-A80E-5F3AA277800E}"/>
               </a:ext>
             </a:extLst>
           </p:cNvPr>
           <p:cNvCxnSpPr>
-            <a:cxnSpLocks/>
+            <a:stCxn id="5" idx="3"/>
+            <a:endCxn id="8" idx="1"/>
           </p:cNvCxnSpPr>
           <p:nvPr/>
         </p:nvCxnSpPr>
         <p:spPr>
-          <a:xfrm flipV="1">
-            <a:off x="5445184" y="2850682"/>
-            <a:ext cx="759055" cy="2"/>
+          <a:xfrm>
+            <a:off x="2727960" y="4107180"/>
+            <a:ext cx="731520" cy="876301"/>
           </a:xfrm>
           <a:prstGeom prst="straightConnector1">
             <a:avLst/>
           </a:prstGeom>
-          <a:ln>
+          <a:ln w="12700">
             <a:tailEnd type="triangle"/>
           </a:ln>
         </p:spPr>
         <p:style>
-          <a:lnRef idx="3">
-            <a:schemeClr val="accent2"/>
+          <a:lnRef idx="1">
+            <a:schemeClr val="accent1"/>
           </a:lnRef>
           <a:fillRef idx="0">
-            <a:schemeClr val="accent2"/>
+            <a:schemeClr val="accent1"/>
           </a:fillRef>
-          <a:effectRef idx="2">
-            <a:schemeClr val="accent2"/>
-          </a:effectRef>
-          <a:fontRef idx="minor">
-            <a:schemeClr val="tx1"/>
-          </a:fontRef>
-        </p:style>
-      </p:cxnSp>
-      <p:cxnSp>
-        <p:nvCxnSpPr>
-          <p:cNvPr id="19" name="Straight Arrow Connector 18">
-            <a:extLst>
-              <a:ext uri="{FF2B5EF4-FFF2-40B4-BE49-F238E27FC236}">
-                <a16:creationId xmlns:a16="http://schemas.microsoft.com/office/drawing/2014/main" id="{D04452F2-A778-4989-AB65-94B2F1BF7891}"/>
-              </a:ext>
-            </a:extLst>
-          </p:cNvPr>
-          <p:cNvCxnSpPr>
-            <a:cxnSpLocks/>
-          </p:cNvCxnSpPr>
-          <p:nvPr/>
-        </p:nvCxnSpPr>
-        <p:spPr>
-          <a:xfrm flipV="1">
-            <a:off x="7356116" y="2838349"/>
-            <a:ext cx="503221" cy="2"/>
-          </a:xfrm>
-          <a:prstGeom prst="straightConnector1">
-            <a:avLst/>
-          </a:prstGeom>
-          <a:ln>
-            <a:tailEnd type="triangle"/>
-          </a:ln>
-        </p:spPr>
-        <p:style>
-          <a:lnRef idx="3">
-            <a:schemeClr val="accent2"/>
-          </a:lnRef>
-          <a:fillRef idx="0">
-            <a:schemeClr val="accent2"/>
-          </a:fillRef>
-          <a:effectRef idx="2">
-            <a:schemeClr val="accent2"/>
+          <a:effectRef idx="0">
+            <a:schemeClr val="accent1"/>
           </a:effectRef>
           <a:fontRef idx="minor">
             <a:schemeClr val="tx1"/>
@@ -5086,76 +8744,308 @@
           <p:cNvPr id="20" name="Straight Arrow Connector 19">
             <a:extLst>
               <a:ext uri="{FF2B5EF4-FFF2-40B4-BE49-F238E27FC236}">
-                <a16:creationId xmlns:a16="http://schemas.microsoft.com/office/drawing/2014/main" id="{C4AD28B3-E28D-435A-B566-C4CD37F5734B}"/>
+                <a16:creationId xmlns:a16="http://schemas.microsoft.com/office/drawing/2014/main" id="{58AFC0B0-AF16-4E73-912E-48730785630B}"/>
               </a:ext>
             </a:extLst>
           </p:cNvPr>
           <p:cNvCxnSpPr>
-            <a:cxnSpLocks/>
+            <a:endCxn id="9" idx="1"/>
           </p:cNvCxnSpPr>
           <p:nvPr/>
         </p:nvCxnSpPr>
         <p:spPr>
           <a:xfrm>
-            <a:off x="9322377" y="2817340"/>
-            <a:ext cx="720783" cy="0"/>
+            <a:off x="4693920" y="3192780"/>
+            <a:ext cx="1409700" cy="914400"/>
           </a:xfrm>
           <a:prstGeom prst="straightConnector1">
             <a:avLst/>
           </a:prstGeom>
-          <a:ln>
+          <a:ln w="12700">
             <a:tailEnd type="triangle"/>
           </a:ln>
         </p:spPr>
         <p:style>
-          <a:lnRef idx="3">
-            <a:schemeClr val="accent2"/>
+          <a:lnRef idx="1">
+            <a:schemeClr val="accent1"/>
           </a:lnRef>
           <a:fillRef idx="0">
-            <a:schemeClr val="accent2"/>
+            <a:schemeClr val="accent1"/>
           </a:fillRef>
-          <a:effectRef idx="2">
-            <a:schemeClr val="accent2"/>
+          <a:effectRef idx="0">
+            <a:schemeClr val="accent1"/>
           </a:effectRef>
           <a:fontRef idx="minor">
             <a:schemeClr val="tx1"/>
           </a:fontRef>
         </p:style>
       </p:cxnSp>
-      <p:sp>
-        <p:nvSpPr>
-          <p:cNvPr id="24" name="Content Placeholder 23">
-            <a:extLst>
-              <a:ext uri="{FF2B5EF4-FFF2-40B4-BE49-F238E27FC236}">
-                <a16:creationId xmlns:a16="http://schemas.microsoft.com/office/drawing/2014/main" id="{05D1030F-4EE4-4869-8022-63531D89BF67}"/>
-              </a:ext>
-            </a:extLst>
-          </p:cNvPr>
-          <p:cNvSpPr>
-            <a:spLocks noGrp="1"/>
-          </p:cNvSpPr>
-          <p:nvPr>
-            <p:ph idx="1"/>
-          </p:nvPr>
-        </p:nvSpPr>
-        <p:spPr>
-          <a:xfrm>
-            <a:off x="946439" y="3759252"/>
-            <a:ext cx="10515600" cy="544866"/>
-          </a:xfrm>
-        </p:spPr>
-        <p:txBody>
-          <a:bodyPr/>
-          <a:lstStyle/>
-          <a:p>
-            <a:endParaRPr lang="en-US" dirty="0"/>
-          </a:p>
-        </p:txBody>
-      </p:sp>
+      <p:cxnSp>
+        <p:nvCxnSpPr>
+          <p:cNvPr id="22" name="Straight Arrow Connector 21">
+            <a:extLst>
+              <a:ext uri="{FF2B5EF4-FFF2-40B4-BE49-F238E27FC236}">
+                <a16:creationId xmlns:a16="http://schemas.microsoft.com/office/drawing/2014/main" id="{FFC3E79C-572A-452D-8088-CEB373598E85}"/>
+              </a:ext>
+            </a:extLst>
+          </p:cNvPr>
+          <p:cNvCxnSpPr>
+            <a:stCxn id="7" idx="3"/>
+            <a:endCxn id="9" idx="1"/>
+          </p:cNvCxnSpPr>
+          <p:nvPr/>
+        </p:nvCxnSpPr>
+        <p:spPr>
+          <a:xfrm>
+            <a:off x="4693920" y="4091940"/>
+            <a:ext cx="1409700" cy="15240"/>
+          </a:xfrm>
+          <a:prstGeom prst="straightConnector1">
+            <a:avLst/>
+          </a:prstGeom>
+          <a:ln w="12700">
+            <a:tailEnd type="triangle"/>
+          </a:ln>
+        </p:spPr>
+        <p:style>
+          <a:lnRef idx="1">
+            <a:schemeClr val="accent1"/>
+          </a:lnRef>
+          <a:fillRef idx="0">
+            <a:schemeClr val="accent1"/>
+          </a:fillRef>
+          <a:effectRef idx="0">
+            <a:schemeClr val="accent1"/>
+          </a:effectRef>
+          <a:fontRef idx="minor">
+            <a:schemeClr val="tx1"/>
+          </a:fontRef>
+        </p:style>
+      </p:cxnSp>
+      <p:cxnSp>
+        <p:nvCxnSpPr>
+          <p:cNvPr id="24" name="Straight Arrow Connector 23">
+            <a:extLst>
+              <a:ext uri="{FF2B5EF4-FFF2-40B4-BE49-F238E27FC236}">
+                <a16:creationId xmlns:a16="http://schemas.microsoft.com/office/drawing/2014/main" id="{457AAB71-727D-4567-987B-3ECC65DF70DC}"/>
+              </a:ext>
+            </a:extLst>
+          </p:cNvPr>
+          <p:cNvCxnSpPr>
+            <a:endCxn id="9" idx="1"/>
+          </p:cNvCxnSpPr>
+          <p:nvPr/>
+        </p:nvCxnSpPr>
+        <p:spPr>
+          <a:xfrm flipV="1">
+            <a:off x="4693920" y="4107180"/>
+            <a:ext cx="1409700" cy="861060"/>
+          </a:xfrm>
+          <a:prstGeom prst="straightConnector1">
+            <a:avLst/>
+          </a:prstGeom>
+          <a:ln w="12700">
+            <a:tailEnd type="triangle"/>
+          </a:ln>
+        </p:spPr>
+        <p:style>
+          <a:lnRef idx="1">
+            <a:schemeClr val="accent1"/>
+          </a:lnRef>
+          <a:fillRef idx="0">
+            <a:schemeClr val="accent1"/>
+          </a:fillRef>
+          <a:effectRef idx="0">
+            <a:schemeClr val="accent1"/>
+          </a:effectRef>
+          <a:fontRef idx="minor">
+            <a:schemeClr val="tx1"/>
+          </a:fontRef>
+        </p:style>
+      </p:cxnSp>
+      <p:cxnSp>
+        <p:nvCxnSpPr>
+          <p:cNvPr id="26" name="Straight Arrow Connector 25">
+            <a:extLst>
+              <a:ext uri="{FF2B5EF4-FFF2-40B4-BE49-F238E27FC236}">
+                <a16:creationId xmlns:a16="http://schemas.microsoft.com/office/drawing/2014/main" id="{B151E731-CB98-43EA-A145-9F6FAF2948D4}"/>
+              </a:ext>
+            </a:extLst>
+          </p:cNvPr>
+          <p:cNvCxnSpPr>
+            <a:endCxn id="10" idx="1"/>
+          </p:cNvCxnSpPr>
+          <p:nvPr/>
+        </p:nvCxnSpPr>
+        <p:spPr>
+          <a:xfrm flipV="1">
+            <a:off x="7261860" y="3332163"/>
+            <a:ext cx="563880" cy="771207"/>
+          </a:xfrm>
+          <a:prstGeom prst="straightConnector1">
+            <a:avLst/>
+          </a:prstGeom>
+          <a:ln w="12700" cap="flat" cmpd="sng" algn="ctr">
+            <a:solidFill>
+              <a:schemeClr val="accent2"/>
+            </a:solidFill>
+            <a:prstDash val="dash"/>
+            <a:round/>
+            <a:headEnd type="none" w="med" len="med"/>
+            <a:tailEnd type="triangle" w="med" len="med"/>
+          </a:ln>
+        </p:spPr>
+        <p:style>
+          <a:lnRef idx="0">
+            <a:scrgbClr r="0" g="0" b="0"/>
+          </a:lnRef>
+          <a:fillRef idx="0">
+            <a:scrgbClr r="0" g="0" b="0"/>
+          </a:fillRef>
+          <a:effectRef idx="0">
+            <a:scrgbClr r="0" g="0" b="0"/>
+          </a:effectRef>
+          <a:fontRef idx="minor">
+            <a:schemeClr val="tx1"/>
+          </a:fontRef>
+        </p:style>
+      </p:cxnSp>
+      <p:cxnSp>
+        <p:nvCxnSpPr>
+          <p:cNvPr id="28" name="Straight Arrow Connector 27">
+            <a:extLst>
+              <a:ext uri="{FF2B5EF4-FFF2-40B4-BE49-F238E27FC236}">
+                <a16:creationId xmlns:a16="http://schemas.microsoft.com/office/drawing/2014/main" id="{D13581ED-3818-4DBE-9718-425E970C68EA}"/>
+              </a:ext>
+            </a:extLst>
+          </p:cNvPr>
+          <p:cNvCxnSpPr>
+            <a:stCxn id="9" idx="3"/>
+            <a:endCxn id="11" idx="1"/>
+          </p:cNvCxnSpPr>
+          <p:nvPr/>
+        </p:nvCxnSpPr>
+        <p:spPr>
+          <a:xfrm>
+            <a:off x="7261860" y="4107180"/>
+            <a:ext cx="548640" cy="742950"/>
+          </a:xfrm>
+          <a:prstGeom prst="straightConnector1">
+            <a:avLst/>
+          </a:prstGeom>
+          <a:ln w="12700" cap="flat" cmpd="sng" algn="ctr">
+            <a:solidFill>
+              <a:schemeClr val="accent6"/>
+            </a:solidFill>
+            <a:prstDash val="dash"/>
+            <a:round/>
+            <a:headEnd type="none" w="med" len="med"/>
+            <a:tailEnd type="triangle" w="med" len="med"/>
+          </a:ln>
+        </p:spPr>
+        <p:style>
+          <a:lnRef idx="0">
+            <a:scrgbClr r="0" g="0" b="0"/>
+          </a:lnRef>
+          <a:fillRef idx="0">
+            <a:scrgbClr r="0" g="0" b="0"/>
+          </a:fillRef>
+          <a:effectRef idx="0">
+            <a:scrgbClr r="0" g="0" b="0"/>
+          </a:effectRef>
+          <a:fontRef idx="minor">
+            <a:schemeClr val="tx1"/>
+          </a:fontRef>
+        </p:style>
+      </p:cxnSp>
+      <p:cxnSp>
+        <p:nvCxnSpPr>
+          <p:cNvPr id="30" name="Straight Arrow Connector 29">
+            <a:extLst>
+              <a:ext uri="{FF2B5EF4-FFF2-40B4-BE49-F238E27FC236}">
+                <a16:creationId xmlns:a16="http://schemas.microsoft.com/office/drawing/2014/main" id="{325CAF69-816A-4262-95FF-90AFAF8F5E90}"/>
+              </a:ext>
+            </a:extLst>
+          </p:cNvPr>
+          <p:cNvCxnSpPr>
+            <a:stCxn id="10" idx="3"/>
+            <a:endCxn id="12" idx="1"/>
+          </p:cNvCxnSpPr>
+          <p:nvPr/>
+        </p:nvCxnSpPr>
+        <p:spPr>
+          <a:xfrm>
+            <a:off x="8983980" y="3332163"/>
+            <a:ext cx="998220" cy="775017"/>
+          </a:xfrm>
+          <a:prstGeom prst="straightConnector1">
+            <a:avLst/>
+          </a:prstGeom>
+          <a:ln w="12700">
+            <a:tailEnd type="triangle"/>
+          </a:ln>
+        </p:spPr>
+        <p:style>
+          <a:lnRef idx="1">
+            <a:schemeClr val="accent1"/>
+          </a:lnRef>
+          <a:fillRef idx="0">
+            <a:schemeClr val="accent1"/>
+          </a:fillRef>
+          <a:effectRef idx="0">
+            <a:schemeClr val="accent1"/>
+          </a:effectRef>
+          <a:fontRef idx="minor">
+            <a:schemeClr val="tx1"/>
+          </a:fontRef>
+        </p:style>
+      </p:cxnSp>
+      <p:cxnSp>
+        <p:nvCxnSpPr>
+          <p:cNvPr id="32" name="Straight Arrow Connector 31">
+            <a:extLst>
+              <a:ext uri="{FF2B5EF4-FFF2-40B4-BE49-F238E27FC236}">
+                <a16:creationId xmlns:a16="http://schemas.microsoft.com/office/drawing/2014/main" id="{85CF8AEF-F64E-4E56-815F-D7D8116DCAE7}"/>
+              </a:ext>
+            </a:extLst>
+          </p:cNvPr>
+          <p:cNvCxnSpPr>
+            <a:stCxn id="11" idx="3"/>
+            <a:endCxn id="12" idx="1"/>
+          </p:cNvCxnSpPr>
+          <p:nvPr/>
+        </p:nvCxnSpPr>
+        <p:spPr>
+          <a:xfrm flipV="1">
+            <a:off x="9044940" y="4107180"/>
+            <a:ext cx="937260" cy="742950"/>
+          </a:xfrm>
+          <a:prstGeom prst="straightConnector1">
+            <a:avLst/>
+          </a:prstGeom>
+          <a:ln w="12700">
+            <a:tailEnd type="triangle"/>
+          </a:ln>
+        </p:spPr>
+        <p:style>
+          <a:lnRef idx="1">
+            <a:schemeClr val="accent1"/>
+          </a:lnRef>
+          <a:fillRef idx="0">
+            <a:schemeClr val="accent1"/>
+          </a:fillRef>
+          <a:effectRef idx="0">
+            <a:schemeClr val="accent1"/>
+          </a:effectRef>
+          <a:fontRef idx="minor">
+            <a:schemeClr val="tx1"/>
+          </a:fontRef>
+        </p:style>
+      </p:cxnSp>
     </p:spTree>
     <p:extLst>
       <p:ext uri="{BB962C8B-B14F-4D97-AF65-F5344CB8AC3E}">
-        <p14:creationId xmlns:p14="http://schemas.microsoft.com/office/powerpoint/2010/main" val="1446957943"/>
+        <p14:creationId xmlns:p14="http://schemas.microsoft.com/office/powerpoint/2010/main" val="1418777872"/>
       </p:ext>
     </p:extLst>
   </p:cSld>
